--- a/ManagingModulesPresentation.pptx
+++ b/ManagingModulesPresentation.pptx
@@ -5,7 +5,7 @@
     <p:sldMasterId id="2147483668" r:id="rId1"/>
   </p:sldMasterIdLst>
   <p:notesMasterIdLst>
-    <p:notesMasterId r:id="rId14"/>
+    <p:notesMasterId r:id="rId11"/>
   </p:notesMasterIdLst>
   <p:sldIdLst>
     <p:sldId id="257" r:id="rId2"/>
@@ -13,13 +13,10 @@
     <p:sldId id="268" r:id="rId4"/>
     <p:sldId id="267" r:id="rId5"/>
     <p:sldId id="266" r:id="rId6"/>
-    <p:sldId id="269" r:id="rId7"/>
-    <p:sldId id="270" r:id="rId8"/>
-    <p:sldId id="271" r:id="rId9"/>
-    <p:sldId id="272" r:id="rId10"/>
-    <p:sldId id="274" r:id="rId11"/>
-    <p:sldId id="265" r:id="rId12"/>
-    <p:sldId id="264" r:id="rId13"/>
+    <p:sldId id="272" r:id="rId7"/>
+    <p:sldId id="274" r:id="rId8"/>
+    <p:sldId id="265" r:id="rId9"/>
+    <p:sldId id="264" r:id="rId10"/>
   </p:sldIdLst>
   <p:sldSz cx="12192000" cy="6858000"/>
   <p:notesSz cx="6858000" cy="9144000"/>
@@ -128,9 +125,6 @@
             <p14:sldId id="268"/>
             <p14:sldId id="267"/>
             <p14:sldId id="266"/>
-            <p14:sldId id="269"/>
-            <p14:sldId id="270"/>
-            <p14:sldId id="271"/>
             <p14:sldId id="272"/>
             <p14:sldId id="274"/>
             <p14:sldId id="265"/>
@@ -228,7 +222,7 @@
           <a:p>
             <a:fld id="{B68C8EF0-277E-4A1A-B62C-6E490FE608D5}" type="datetimeFigureOut">
               <a:rPr lang="en-US" smtClean="0"/>
-              <a:t>4/14/2019</a:t>
+              <a:t>4/27/2019</a:t>
             </a:fld>
             <a:endParaRPr lang="en-US"/>
           </a:p>
@@ -292,38 +286,37 @@
           <a:p>
             <a:pPr lvl="0"/>
             <a:r>
-              <a:rPr lang="en-US" smtClean="0"/>
+              <a:rPr lang="en-US"/>
               <a:t>Edit Master text styles</a:t>
             </a:r>
           </a:p>
           <a:p>
             <a:pPr lvl="1"/>
             <a:r>
-              <a:rPr lang="en-US" smtClean="0"/>
+              <a:rPr lang="en-US"/>
               <a:t>Second level</a:t>
             </a:r>
           </a:p>
           <a:p>
             <a:pPr lvl="2"/>
             <a:r>
-              <a:rPr lang="en-US" smtClean="0"/>
+              <a:rPr lang="en-US"/>
               <a:t>Third level</a:t>
             </a:r>
           </a:p>
           <a:p>
             <a:pPr lvl="3"/>
             <a:r>
-              <a:rPr lang="en-US" smtClean="0"/>
+              <a:rPr lang="en-US"/>
               <a:t>Fourth level</a:t>
             </a:r>
           </a:p>
           <a:p>
             <a:pPr lvl="4"/>
             <a:r>
-              <a:rPr lang="en-US" smtClean="0"/>
+              <a:rPr lang="en-US"/>
               <a:t>Fifth level</a:t>
             </a:r>
-            <a:endParaRPr lang="en-US"/>
           </a:p>
         </p:txBody>
       </p:sp>
@@ -538,10 +531,9 @@
           </a:lstStyle>
           <a:p>
             <a:r>
-              <a:rPr lang="en-US" smtClean="0"/>
+              <a:rPr lang="en-US"/>
               <a:t>Click to edit Master title style</a:t>
             </a:r>
-            <a:endParaRPr lang="en-US"/>
           </a:p>
         </p:txBody>
       </p:sp>
@@ -603,10 +595,9 @@
           </a:lstStyle>
           <a:p>
             <a:r>
-              <a:rPr lang="en-US" smtClean="0"/>
+              <a:rPr lang="en-US"/>
               <a:t>Click to edit Master subtitle style</a:t>
             </a:r>
-            <a:endParaRPr lang="en-US"/>
           </a:p>
         </p:txBody>
       </p:sp>
@@ -675,13 +666,6 @@
   <p:clrMapOvr>
     <a:masterClrMapping/>
   </p:clrMapOvr>
-  <p:timing>
-    <p:tnLst>
-      <p:par>
-        <p:cTn id="1" dur="indefinite" restart="never" nodeType="tmRoot"/>
-      </p:par>
-    </p:tnLst>
-  </p:timing>
 </p:sldLayout>
 </file>
 
@@ -719,7 +703,7 @@
           <a:p>
             <a:fld id="{578FD856-A495-47B8-817B-8CBF03FDE7FA}" type="datetime1">
               <a:rPr lang="en-US" smtClean="0"/>
-              <a:t>4/14/2019</a:t>
+              <a:t>4/27/2019</a:t>
             </a:fld>
             <a:endParaRPr lang="en-US" dirty="0"/>
           </a:p>
@@ -741,26 +725,25 @@
           <a:lstStyle/>
           <a:p>
             <a:r>
-              <a:rPr lang="en-US" dirty="0" smtClean="0"/>
+              <a:rPr lang="en-US" dirty="0"/>
               <a:t>@</a:t>
             </a:r>
             <a:r>
-              <a:rPr lang="en-US" dirty="0" err="1" smtClean="0"/>
+              <a:rPr lang="en-US" dirty="0" err="1"/>
               <a:t>KevinMarquette</a:t>
             </a:r>
             <a:r>
-              <a:rPr lang="en-US" dirty="0" smtClean="0"/>
+              <a:rPr lang="en-US" dirty="0"/>
               <a:t> #</a:t>
             </a:r>
             <a:r>
-              <a:rPr lang="en-US" dirty="0" err="1" smtClean="0"/>
+              <a:rPr lang="en-US" dirty="0" err="1"/>
               <a:t>PSHSummit</a:t>
             </a:r>
             <a:r>
-              <a:rPr lang="en-US" dirty="0" smtClean="0"/>
+              <a:rPr lang="en-US" dirty="0"/>
               <a:t> #KM404</a:t>
             </a:r>
-            <a:endParaRPr lang="en-US" dirty="0"/>
           </a:p>
         </p:txBody>
       </p:sp>
@@ -811,10 +794,9 @@
           <a:lstStyle/>
           <a:p>
             <a:r>
-              <a:rPr lang="en-US" sz="8000" b="1" dirty="0" smtClean="0"/>
+              <a:rPr lang="en-US" sz="8000" b="1" dirty="0"/>
               <a:t>Show me the Code</a:t>
             </a:r>
-            <a:endParaRPr lang="en-US" sz="8000" b="1" dirty="0"/>
           </a:p>
         </p:txBody>
       </p:sp>
@@ -840,38 +822,37 @@
           <a:p>
             <a:pPr lvl="0"/>
             <a:r>
-              <a:rPr lang="en-US" dirty="0" smtClean="0"/>
+              <a:rPr lang="en-US" dirty="0"/>
               <a:t>Click to edit Master text styles</a:t>
             </a:r>
           </a:p>
           <a:p>
             <a:pPr lvl="1"/>
             <a:r>
-              <a:rPr lang="en-US" dirty="0" smtClean="0"/>
+              <a:rPr lang="en-US" dirty="0"/>
               <a:t>Second level</a:t>
             </a:r>
           </a:p>
           <a:p>
             <a:pPr lvl="2"/>
             <a:r>
-              <a:rPr lang="en-US" dirty="0" smtClean="0"/>
+              <a:rPr lang="en-US" dirty="0"/>
               <a:t>Third level</a:t>
             </a:r>
           </a:p>
           <a:p>
             <a:pPr lvl="3"/>
             <a:r>
-              <a:rPr lang="en-US" dirty="0" smtClean="0"/>
+              <a:rPr lang="en-US" dirty="0"/>
               <a:t>Fourth level</a:t>
             </a:r>
           </a:p>
           <a:p>
             <a:pPr lvl="4"/>
             <a:r>
-              <a:rPr lang="en-US" dirty="0" smtClean="0"/>
+              <a:rPr lang="en-US" dirty="0"/>
               <a:t>Fifth level</a:t>
             </a:r>
-            <a:endParaRPr lang="en-US" dirty="0"/>
           </a:p>
         </p:txBody>
       </p:sp>
@@ -885,13 +866,6 @@
   <p:clrMapOvr>
     <a:masterClrMapping/>
   </p:clrMapOvr>
-  <p:timing>
-    <p:tnLst>
-      <p:par>
-        <p:cTn id="1" dur="indefinite" restart="never" nodeType="tmRoot"/>
-      </p:par>
-    </p:tnLst>
-  </p:timing>
 </p:sldLayout>
 </file>
 
@@ -933,10 +907,9 @@
           <a:lstStyle/>
           <a:p>
             <a:r>
-              <a:rPr lang="en-US" smtClean="0"/>
+              <a:rPr lang="en-US"/>
               <a:t>Click to edit Master title style</a:t>
             </a:r>
-            <a:endParaRPr lang="en-US"/>
           </a:p>
         </p:txBody>
       </p:sp>
@@ -962,38 +935,37 @@
           <a:p>
             <a:pPr lvl="0"/>
             <a:r>
-              <a:rPr lang="en-US" smtClean="0"/>
+              <a:rPr lang="en-US"/>
               <a:t>Click to edit Master text styles</a:t>
             </a:r>
           </a:p>
           <a:p>
             <a:pPr lvl="1"/>
             <a:r>
-              <a:rPr lang="en-US" smtClean="0"/>
+              <a:rPr lang="en-US"/>
               <a:t>Second level</a:t>
             </a:r>
           </a:p>
           <a:p>
             <a:pPr lvl="2"/>
             <a:r>
-              <a:rPr lang="en-US" smtClean="0"/>
+              <a:rPr lang="en-US"/>
               <a:t>Third level</a:t>
             </a:r>
           </a:p>
           <a:p>
             <a:pPr lvl="3"/>
             <a:r>
-              <a:rPr lang="en-US" smtClean="0"/>
+              <a:rPr lang="en-US"/>
               <a:t>Fourth level</a:t>
             </a:r>
           </a:p>
           <a:p>
             <a:pPr lvl="4"/>
             <a:r>
-              <a:rPr lang="en-US" smtClean="0"/>
+              <a:rPr lang="en-US"/>
               <a:t>Fifth level</a:t>
             </a:r>
-            <a:endParaRPr lang="en-US"/>
           </a:p>
         </p:txBody>
       </p:sp>
@@ -1034,18 +1006,17 @@
           <a:p>
             <a:pPr algn="ctr"/>
             <a:r>
-              <a:rPr lang="en-US" sz="4400" dirty="0" smtClean="0"/>
+              <a:rPr lang="en-US" sz="4400" dirty="0"/>
               <a:t>DESIGN</a:t>
             </a:r>
             <a:r>
-              <a:rPr lang="en-US" sz="4400" baseline="0" dirty="0" smtClean="0"/>
+              <a:rPr lang="en-US" sz="4400" baseline="0" dirty="0"/>
               <a:t> </a:t>
             </a:r>
             <a:r>
-              <a:rPr lang="en-US" sz="4400" dirty="0" smtClean="0"/>
+              <a:rPr lang="en-US" sz="4400" dirty="0"/>
               <a:t>NOTES</a:t>
             </a:r>
-            <a:endParaRPr lang="en-US" sz="4400" dirty="0"/>
           </a:p>
         </p:txBody>
       </p:sp>
@@ -1059,13 +1030,6 @@
   <p:clrMapOvr>
     <a:masterClrMapping/>
   </p:clrMapOvr>
-  <p:timing>
-    <p:tnLst>
-      <p:par>
-        <p:cTn id="1" dur="indefinite" restart="never" nodeType="tmRoot"/>
-      </p:par>
-    </p:tnLst>
-  </p:timing>
 </p:sldLayout>
 </file>
 
@@ -1109,11 +1073,11 @@
           <a:lstStyle/>
           <a:p>
             <a:r>
-              <a:rPr lang="en-US" sz="8000" b="1" dirty="0" smtClean="0"/>
+              <a:rPr lang="en-US" sz="8000" b="1" dirty="0"/>
               <a:t>THAN</a:t>
             </a:r>
             <a:r>
-              <a:rPr lang="en-US" sz="8000" b="1" baseline="0" dirty="0" smtClean="0"/>
+              <a:rPr lang="en-US" sz="8000" b="1" baseline="0" dirty="0"/>
               <a:t>K YOU!</a:t>
             </a:r>
             <a:endParaRPr lang="en-US" sz="8000" b="1" dirty="0"/>
@@ -1143,18 +1107,17 @@
           <a:lstStyle/>
           <a:p>
             <a:r>
-              <a:rPr lang="en-US" sz="2400" b="0" dirty="0" smtClean="0"/>
+              <a:rPr lang="en-US" sz="2400" b="0" dirty="0"/>
               <a:t>Please use the event app or </a:t>
             </a:r>
             <a:r>
-              <a:rPr lang="en-US" sz="2400" b="0" dirty="0" err="1" smtClean="0"/>
+              <a:rPr lang="en-US" sz="2400" b="0" dirty="0" err="1"/>
               <a:t>Sched.com</a:t>
             </a:r>
             <a:r>
-              <a:rPr lang="en-US" sz="2400" b="0" dirty="0" smtClean="0"/>
+              <a:rPr lang="en-US" sz="2400" b="0" dirty="0"/>
               <a:t> to submit a session rating!</a:t>
             </a:r>
-            <a:endParaRPr lang="en-US" sz="2400" b="0" dirty="0"/>
           </a:p>
         </p:txBody>
       </p:sp>
@@ -1239,26 +1202,25 @@
           <a:lstStyle/>
           <a:p>
             <a:r>
-              <a:rPr lang="en-US" dirty="0" smtClean="0"/>
+              <a:rPr lang="en-US" dirty="0"/>
               <a:t>@</a:t>
             </a:r>
             <a:r>
-              <a:rPr lang="en-US" dirty="0" err="1" smtClean="0"/>
+              <a:rPr lang="en-US" dirty="0" err="1"/>
               <a:t>KevinMarquette</a:t>
             </a:r>
             <a:r>
-              <a:rPr lang="en-US" dirty="0" smtClean="0"/>
+              <a:rPr lang="en-US" dirty="0"/>
               <a:t> #</a:t>
             </a:r>
             <a:r>
-              <a:rPr lang="en-US" dirty="0" err="1" smtClean="0"/>
+              <a:rPr lang="en-US" dirty="0" err="1"/>
               <a:t>PSHSummit</a:t>
             </a:r>
             <a:r>
-              <a:rPr lang="en-US" dirty="0" smtClean="0"/>
+              <a:rPr lang="en-US" dirty="0"/>
               <a:t> #KM404</a:t>
             </a:r>
-            <a:endParaRPr lang="en-US" dirty="0"/>
           </a:p>
         </p:txBody>
       </p:sp>
@@ -1272,13 +1234,6 @@
   <p:clrMapOvr>
     <a:masterClrMapping/>
   </p:clrMapOvr>
-  <p:timing>
-    <p:tnLst>
-      <p:par>
-        <p:cTn id="1" dur="indefinite" restart="never" nodeType="tmRoot"/>
-      </p:par>
-    </p:tnLst>
-  </p:timing>
 </p:sldLayout>
 </file>
 
@@ -1320,10 +1275,9 @@
           <a:lstStyle/>
           <a:p>
             <a:r>
-              <a:rPr lang="en-US" dirty="0" smtClean="0"/>
+              <a:rPr lang="en-US" dirty="0"/>
               <a:t>Click to edit Master title style</a:t>
             </a:r>
-            <a:endParaRPr lang="en-US" dirty="0"/>
           </a:p>
         </p:txBody>
       </p:sp>
@@ -1349,38 +1303,37 @@
           <a:p>
             <a:pPr lvl="0"/>
             <a:r>
-              <a:rPr lang="en-US" dirty="0" smtClean="0"/>
+              <a:rPr lang="en-US" dirty="0"/>
               <a:t>Click to edit Master text styles</a:t>
             </a:r>
           </a:p>
           <a:p>
             <a:pPr lvl="1"/>
             <a:r>
-              <a:rPr lang="en-US" dirty="0" smtClean="0"/>
+              <a:rPr lang="en-US" dirty="0"/>
               <a:t>Second level</a:t>
             </a:r>
           </a:p>
           <a:p>
             <a:pPr lvl="2"/>
             <a:r>
-              <a:rPr lang="en-US" dirty="0" smtClean="0"/>
+              <a:rPr lang="en-US" dirty="0"/>
               <a:t>Third level</a:t>
             </a:r>
           </a:p>
           <a:p>
             <a:pPr lvl="3"/>
             <a:r>
-              <a:rPr lang="en-US" dirty="0" smtClean="0"/>
+              <a:rPr lang="en-US" dirty="0"/>
               <a:t>Fourth level</a:t>
             </a:r>
           </a:p>
           <a:p>
             <a:pPr lvl="4"/>
             <a:r>
-              <a:rPr lang="en-US" dirty="0" smtClean="0"/>
+              <a:rPr lang="en-US" dirty="0"/>
               <a:t>Fifth level</a:t>
             </a:r>
-            <a:endParaRPr lang="en-US" dirty="0"/>
           </a:p>
         </p:txBody>
       </p:sp>
@@ -1401,7 +1354,7 @@
           <a:p>
             <a:fld id="{59FD2237-3B84-4AC3-A613-A17944D67163}" type="datetime1">
               <a:rPr lang="en-US" smtClean="0"/>
-              <a:t>4/14/2019</a:t>
+              <a:t>4/27/2019</a:t>
             </a:fld>
             <a:endParaRPr lang="en-US" dirty="0"/>
           </a:p>
@@ -1423,7 +1376,7 @@
           <a:lstStyle/>
           <a:p>
             <a:r>
-              <a:rPr lang="en-US" smtClean="0"/>
+              <a:rPr lang="en-US"/>
               <a:t>@KevinMarquette #PSHSummit #KM404</a:t>
             </a:r>
             <a:endParaRPr lang="en-US" dirty="0"/>
@@ -1459,13 +1412,6 @@
   <p:clrMapOvr>
     <a:masterClrMapping/>
   </p:clrMapOvr>
-  <p:timing>
-    <p:tnLst>
-      <p:par>
-        <p:cTn id="1" dur="indefinite" restart="never" nodeType="tmRoot"/>
-      </p:par>
-    </p:tnLst>
-  </p:timing>
 </p:sldLayout>
 </file>
 
@@ -1511,10 +1457,9 @@
           </a:lstStyle>
           <a:p>
             <a:r>
-              <a:rPr lang="en-US" smtClean="0"/>
+              <a:rPr lang="en-US"/>
               <a:t>Click to edit Master title style</a:t>
             </a:r>
-            <a:endParaRPr lang="en-US"/>
           </a:p>
         </p:txBody>
       </p:sp>
@@ -1631,7 +1576,7 @@
           <a:p>
             <a:pPr lvl="0"/>
             <a:r>
-              <a:rPr lang="en-US" smtClean="0"/>
+              <a:rPr lang="en-US"/>
               <a:t>Click to edit Master text styles</a:t>
             </a:r>
           </a:p>
@@ -1654,7 +1599,7 @@
           <a:p>
             <a:fld id="{4D37F4DE-4CD9-47A3-BAF0-2F3F37405E48}" type="datetime1">
               <a:rPr lang="en-US" smtClean="0"/>
-              <a:t>4/14/2019</a:t>
+              <a:t>4/27/2019</a:t>
             </a:fld>
             <a:endParaRPr lang="en-US" dirty="0"/>
           </a:p>
@@ -1676,26 +1621,25 @@
           <a:lstStyle/>
           <a:p>
             <a:r>
-              <a:rPr lang="en-US" dirty="0" smtClean="0"/>
+              <a:rPr lang="en-US" dirty="0"/>
               <a:t>@</a:t>
             </a:r>
             <a:r>
-              <a:rPr lang="en-US" dirty="0" err="1" smtClean="0"/>
+              <a:rPr lang="en-US" dirty="0" err="1"/>
               <a:t>KevinMarquette</a:t>
             </a:r>
             <a:r>
-              <a:rPr lang="en-US" dirty="0" smtClean="0"/>
+              <a:rPr lang="en-US" dirty="0"/>
               <a:t> #</a:t>
             </a:r>
             <a:r>
-              <a:rPr lang="en-US" dirty="0" err="1" smtClean="0"/>
+              <a:rPr lang="en-US" dirty="0" err="1"/>
               <a:t>PSHSummit</a:t>
             </a:r>
             <a:r>
-              <a:rPr lang="en-US" dirty="0" smtClean="0"/>
+              <a:rPr lang="en-US" dirty="0"/>
               <a:t> #KM404</a:t>
             </a:r>
-            <a:endParaRPr lang="en-US" dirty="0"/>
           </a:p>
         </p:txBody>
       </p:sp>
@@ -1758,13 +1702,6 @@
   <p:clrMapOvr>
     <a:masterClrMapping/>
   </p:clrMapOvr>
-  <p:timing>
-    <p:tnLst>
-      <p:par>
-        <p:cTn id="1" dur="indefinite" restart="never" nodeType="tmRoot"/>
-      </p:par>
-    </p:tnLst>
-  </p:timing>
 </p:sldLayout>
 </file>
 
@@ -1801,10 +1738,9 @@
           <a:lstStyle/>
           <a:p>
             <a:r>
-              <a:rPr lang="en-US" smtClean="0"/>
+              <a:rPr lang="en-US"/>
               <a:t>Click to edit Master title style</a:t>
             </a:r>
-            <a:endParaRPr lang="en-US"/>
           </a:p>
         </p:txBody>
       </p:sp>
@@ -1830,38 +1766,37 @@
           <a:p>
             <a:pPr lvl="0"/>
             <a:r>
-              <a:rPr lang="en-US" smtClean="0"/>
+              <a:rPr lang="en-US"/>
               <a:t>Click to edit Master text styles</a:t>
             </a:r>
           </a:p>
           <a:p>
             <a:pPr lvl="1"/>
             <a:r>
-              <a:rPr lang="en-US" smtClean="0"/>
+              <a:rPr lang="en-US"/>
               <a:t>Second level</a:t>
             </a:r>
           </a:p>
           <a:p>
             <a:pPr lvl="2"/>
             <a:r>
-              <a:rPr lang="en-US" smtClean="0"/>
+              <a:rPr lang="en-US"/>
               <a:t>Third level</a:t>
             </a:r>
           </a:p>
           <a:p>
             <a:pPr lvl="3"/>
             <a:r>
-              <a:rPr lang="en-US" smtClean="0"/>
+              <a:rPr lang="en-US"/>
               <a:t>Fourth level</a:t>
             </a:r>
           </a:p>
           <a:p>
             <a:pPr lvl="4"/>
             <a:r>
-              <a:rPr lang="en-US" smtClean="0"/>
+              <a:rPr lang="en-US"/>
               <a:t>Fifth level</a:t>
             </a:r>
-            <a:endParaRPr lang="en-US"/>
           </a:p>
         </p:txBody>
       </p:sp>
@@ -1887,38 +1822,37 @@
           <a:p>
             <a:pPr lvl="0"/>
             <a:r>
-              <a:rPr lang="en-US" smtClean="0"/>
+              <a:rPr lang="en-US"/>
               <a:t>Click to edit Master text styles</a:t>
             </a:r>
           </a:p>
           <a:p>
             <a:pPr lvl="1"/>
             <a:r>
-              <a:rPr lang="en-US" smtClean="0"/>
+              <a:rPr lang="en-US"/>
               <a:t>Second level</a:t>
             </a:r>
           </a:p>
           <a:p>
             <a:pPr lvl="2"/>
             <a:r>
-              <a:rPr lang="en-US" smtClean="0"/>
+              <a:rPr lang="en-US"/>
               <a:t>Third level</a:t>
             </a:r>
           </a:p>
           <a:p>
             <a:pPr lvl="3"/>
             <a:r>
-              <a:rPr lang="en-US" smtClean="0"/>
+              <a:rPr lang="en-US"/>
               <a:t>Fourth level</a:t>
             </a:r>
           </a:p>
           <a:p>
             <a:pPr lvl="4"/>
             <a:r>
-              <a:rPr lang="en-US" smtClean="0"/>
+              <a:rPr lang="en-US"/>
               <a:t>Fifth level</a:t>
             </a:r>
-            <a:endParaRPr lang="en-US"/>
           </a:p>
         </p:txBody>
       </p:sp>
@@ -1939,7 +1873,7 @@
           <a:p>
             <a:fld id="{B25FD3DA-12F3-4700-8C2B-A5B82CCD9FDF}" type="datetime1">
               <a:rPr lang="en-US" smtClean="0"/>
-              <a:t>4/14/2019</a:t>
+              <a:t>4/27/2019</a:t>
             </a:fld>
             <a:endParaRPr lang="en-US" dirty="0"/>
           </a:p>
@@ -1961,26 +1895,25 @@
           <a:lstStyle/>
           <a:p>
             <a:r>
-              <a:rPr lang="en-US" dirty="0" smtClean="0"/>
+              <a:rPr lang="en-US" dirty="0"/>
               <a:t>@</a:t>
             </a:r>
             <a:r>
-              <a:rPr lang="en-US" dirty="0" err="1" smtClean="0"/>
+              <a:rPr lang="en-US" dirty="0" err="1"/>
               <a:t>KevinMarquette</a:t>
             </a:r>
             <a:r>
-              <a:rPr lang="en-US" dirty="0" smtClean="0"/>
+              <a:rPr lang="en-US" dirty="0"/>
               <a:t> #</a:t>
             </a:r>
             <a:r>
-              <a:rPr lang="en-US" dirty="0" err="1" smtClean="0"/>
+              <a:rPr lang="en-US" dirty="0" err="1"/>
               <a:t>PSHSummit</a:t>
             </a:r>
             <a:r>
-              <a:rPr lang="en-US" dirty="0" smtClean="0"/>
+              <a:rPr lang="en-US" dirty="0"/>
               <a:t> #KM404</a:t>
             </a:r>
-            <a:endParaRPr lang="en-US" dirty="0"/>
           </a:p>
         </p:txBody>
       </p:sp>
@@ -2013,13 +1946,6 @@
   <p:clrMapOvr>
     <a:masterClrMapping/>
   </p:clrMapOvr>
-  <p:timing>
-    <p:tnLst>
-      <p:par>
-        <p:cTn id="1" dur="indefinite" restart="never" nodeType="tmRoot"/>
-      </p:par>
-    </p:tnLst>
-  </p:timing>
 </p:sldLayout>
 </file>
 
@@ -2061,10 +1987,9 @@
           <a:lstStyle/>
           <a:p>
             <a:r>
-              <a:rPr lang="en-US" smtClean="0"/>
+              <a:rPr lang="en-US"/>
               <a:t>Click to edit Master title style</a:t>
             </a:r>
-            <a:endParaRPr lang="en-US"/>
           </a:p>
         </p:txBody>
       </p:sp>
@@ -2127,7 +2052,7 @@
           <a:p>
             <a:pPr lvl="0"/>
             <a:r>
-              <a:rPr lang="en-US" smtClean="0"/>
+              <a:rPr lang="en-US"/>
               <a:t>Click to edit Master text styles</a:t>
             </a:r>
           </a:p>
@@ -2155,38 +2080,37 @@
           <a:p>
             <a:pPr lvl="0"/>
             <a:r>
-              <a:rPr lang="en-US" smtClean="0"/>
+              <a:rPr lang="en-US"/>
               <a:t>Click to edit Master text styles</a:t>
             </a:r>
           </a:p>
           <a:p>
             <a:pPr lvl="1"/>
             <a:r>
-              <a:rPr lang="en-US" smtClean="0"/>
+              <a:rPr lang="en-US"/>
               <a:t>Second level</a:t>
             </a:r>
           </a:p>
           <a:p>
             <a:pPr lvl="2"/>
             <a:r>
-              <a:rPr lang="en-US" smtClean="0"/>
+              <a:rPr lang="en-US"/>
               <a:t>Third level</a:t>
             </a:r>
           </a:p>
           <a:p>
             <a:pPr lvl="3"/>
             <a:r>
-              <a:rPr lang="en-US" smtClean="0"/>
+              <a:rPr lang="en-US"/>
               <a:t>Fourth level</a:t>
             </a:r>
           </a:p>
           <a:p>
             <a:pPr lvl="4"/>
             <a:r>
-              <a:rPr lang="en-US" smtClean="0"/>
+              <a:rPr lang="en-US"/>
               <a:t>Fifth level</a:t>
             </a:r>
-            <a:endParaRPr lang="en-US"/>
           </a:p>
         </p:txBody>
       </p:sp>
@@ -2249,7 +2173,7 @@
           <a:p>
             <a:pPr lvl="0"/>
             <a:r>
-              <a:rPr lang="en-US" smtClean="0"/>
+              <a:rPr lang="en-US"/>
               <a:t>Click to edit Master text styles</a:t>
             </a:r>
           </a:p>
@@ -2277,38 +2201,37 @@
           <a:p>
             <a:pPr lvl="0"/>
             <a:r>
-              <a:rPr lang="en-US" smtClean="0"/>
+              <a:rPr lang="en-US"/>
               <a:t>Click to edit Master text styles</a:t>
             </a:r>
           </a:p>
           <a:p>
             <a:pPr lvl="1"/>
             <a:r>
-              <a:rPr lang="en-US" smtClean="0"/>
+              <a:rPr lang="en-US"/>
               <a:t>Second level</a:t>
             </a:r>
           </a:p>
           <a:p>
             <a:pPr lvl="2"/>
             <a:r>
-              <a:rPr lang="en-US" smtClean="0"/>
+              <a:rPr lang="en-US"/>
               <a:t>Third level</a:t>
             </a:r>
           </a:p>
           <a:p>
             <a:pPr lvl="3"/>
             <a:r>
-              <a:rPr lang="en-US" smtClean="0"/>
+              <a:rPr lang="en-US"/>
               <a:t>Fourth level</a:t>
             </a:r>
           </a:p>
           <a:p>
             <a:pPr lvl="4"/>
             <a:r>
-              <a:rPr lang="en-US" smtClean="0"/>
+              <a:rPr lang="en-US"/>
               <a:t>Fifth level</a:t>
             </a:r>
-            <a:endParaRPr lang="en-US"/>
           </a:p>
         </p:txBody>
       </p:sp>
@@ -2329,7 +2252,7 @@
           <a:p>
             <a:fld id="{360CF3C9-2460-49F4-AB70-CE6F6904F4A2}" type="datetime1">
               <a:rPr lang="en-US" smtClean="0"/>
-              <a:t>4/14/2019</a:t>
+              <a:t>4/27/2019</a:t>
             </a:fld>
             <a:endParaRPr lang="en-US" dirty="0"/>
           </a:p>
@@ -2351,26 +2274,25 @@
           <a:lstStyle/>
           <a:p>
             <a:r>
-              <a:rPr lang="en-US" dirty="0" smtClean="0"/>
+              <a:rPr lang="en-US" dirty="0"/>
               <a:t>@</a:t>
             </a:r>
             <a:r>
-              <a:rPr lang="en-US" dirty="0" err="1" smtClean="0"/>
+              <a:rPr lang="en-US" dirty="0" err="1"/>
               <a:t>KevinMarquette</a:t>
             </a:r>
             <a:r>
-              <a:rPr lang="en-US" dirty="0" smtClean="0"/>
+              <a:rPr lang="en-US" dirty="0"/>
               <a:t> #</a:t>
             </a:r>
             <a:r>
-              <a:rPr lang="en-US" dirty="0" err="1" smtClean="0"/>
+              <a:rPr lang="en-US" dirty="0" err="1"/>
               <a:t>PSHSummit</a:t>
             </a:r>
             <a:r>
-              <a:rPr lang="en-US" dirty="0" smtClean="0"/>
+              <a:rPr lang="en-US" dirty="0"/>
               <a:t> #KM404</a:t>
             </a:r>
-            <a:endParaRPr lang="en-US" dirty="0"/>
           </a:p>
         </p:txBody>
       </p:sp>
@@ -2403,13 +2325,6 @@
   <p:clrMapOvr>
     <a:masterClrMapping/>
   </p:clrMapOvr>
-  <p:timing>
-    <p:tnLst>
-      <p:par>
-        <p:cTn id="1" dur="indefinite" restart="never" nodeType="tmRoot"/>
-      </p:par>
-    </p:tnLst>
-  </p:timing>
 </p:sldLayout>
 </file>
 
@@ -2446,10 +2361,9 @@
           <a:lstStyle/>
           <a:p>
             <a:r>
-              <a:rPr lang="en-US" smtClean="0"/>
+              <a:rPr lang="en-US"/>
               <a:t>Click to edit Master title style</a:t>
             </a:r>
-            <a:endParaRPr lang="en-US"/>
           </a:p>
         </p:txBody>
       </p:sp>
@@ -2470,7 +2384,7 @@
           <a:p>
             <a:fld id="{FE514856-59E5-4A76-8B7F-91DF0A5F9175}" type="datetime1">
               <a:rPr lang="en-US" smtClean="0"/>
-              <a:t>4/14/2019</a:t>
+              <a:t>4/27/2019</a:t>
             </a:fld>
             <a:endParaRPr lang="en-US" dirty="0"/>
           </a:p>
@@ -2492,26 +2406,25 @@
           <a:lstStyle/>
           <a:p>
             <a:r>
-              <a:rPr lang="en-US" dirty="0" smtClean="0"/>
+              <a:rPr lang="en-US" dirty="0"/>
               <a:t>@</a:t>
             </a:r>
             <a:r>
-              <a:rPr lang="en-US" dirty="0" err="1" smtClean="0"/>
+              <a:rPr lang="en-US" dirty="0" err="1"/>
               <a:t>KevinMarquette</a:t>
             </a:r>
             <a:r>
-              <a:rPr lang="en-US" dirty="0" smtClean="0"/>
+              <a:rPr lang="en-US" dirty="0"/>
               <a:t> #</a:t>
             </a:r>
             <a:r>
-              <a:rPr lang="en-US" dirty="0" err="1" smtClean="0"/>
+              <a:rPr lang="en-US" dirty="0" err="1"/>
               <a:t>PSHSummit</a:t>
             </a:r>
             <a:r>
-              <a:rPr lang="en-US" dirty="0" smtClean="0"/>
+              <a:rPr lang="en-US" dirty="0"/>
               <a:t> #KM404</a:t>
             </a:r>
-            <a:endParaRPr lang="en-US" dirty="0"/>
           </a:p>
         </p:txBody>
       </p:sp>
@@ -2544,13 +2457,6 @@
   <p:clrMapOvr>
     <a:masterClrMapping/>
   </p:clrMapOvr>
-  <p:timing>
-    <p:tnLst>
-      <p:par>
-        <p:cTn id="1" dur="indefinite" restart="never" nodeType="tmRoot"/>
-      </p:par>
-    </p:tnLst>
-  </p:timing>
 </p:sldLayout>
 </file>
 
@@ -2588,7 +2494,7 @@
           <a:p>
             <a:fld id="{75077983-9B06-4C15-9A3D-B83C2053871F}" type="datetime1">
               <a:rPr lang="en-US" smtClean="0"/>
-              <a:t>4/14/2019</a:t>
+              <a:t>4/27/2019</a:t>
             </a:fld>
             <a:endParaRPr lang="en-US" dirty="0"/>
           </a:p>
@@ -2610,26 +2516,25 @@
           <a:lstStyle/>
           <a:p>
             <a:r>
-              <a:rPr lang="en-US" dirty="0" smtClean="0"/>
+              <a:rPr lang="en-US" dirty="0"/>
               <a:t>@</a:t>
             </a:r>
             <a:r>
-              <a:rPr lang="en-US" dirty="0" err="1" smtClean="0"/>
+              <a:rPr lang="en-US" dirty="0" err="1"/>
               <a:t>KevinMarquette</a:t>
             </a:r>
             <a:r>
-              <a:rPr lang="en-US" dirty="0" smtClean="0"/>
+              <a:rPr lang="en-US" dirty="0"/>
               <a:t> #</a:t>
             </a:r>
             <a:r>
-              <a:rPr lang="en-US" dirty="0" err="1" smtClean="0"/>
+              <a:rPr lang="en-US" dirty="0" err="1"/>
               <a:t>PSHSummit</a:t>
             </a:r>
             <a:r>
-              <a:rPr lang="en-US" dirty="0" smtClean="0"/>
+              <a:rPr lang="en-US" dirty="0"/>
               <a:t> #KM404</a:t>
             </a:r>
-            <a:endParaRPr lang="en-US" dirty="0"/>
           </a:p>
         </p:txBody>
       </p:sp>
@@ -2662,13 +2567,6 @@
   <p:clrMapOvr>
     <a:masterClrMapping/>
   </p:clrMapOvr>
-  <p:timing>
-    <p:tnLst>
-      <p:par>
-        <p:cTn id="1" dur="indefinite" restart="never" nodeType="tmRoot"/>
-      </p:par>
-    </p:tnLst>
-  </p:timing>
 </p:sldLayout>
 </file>
 
@@ -2714,10 +2612,9 @@
           </a:lstStyle>
           <a:p>
             <a:r>
-              <a:rPr lang="en-US" smtClean="0"/>
+              <a:rPr lang="en-US"/>
               <a:t>Click to edit Master title style</a:t>
             </a:r>
-            <a:endParaRPr lang="en-US"/>
           </a:p>
         </p:txBody>
       </p:sp>
@@ -2771,38 +2668,37 @@
           <a:p>
             <a:pPr lvl="0"/>
             <a:r>
-              <a:rPr lang="en-US" smtClean="0"/>
+              <a:rPr lang="en-US"/>
               <a:t>Click to edit Master text styles</a:t>
             </a:r>
           </a:p>
           <a:p>
             <a:pPr lvl="1"/>
             <a:r>
-              <a:rPr lang="en-US" smtClean="0"/>
+              <a:rPr lang="en-US"/>
               <a:t>Second level</a:t>
             </a:r>
           </a:p>
           <a:p>
             <a:pPr lvl="2"/>
             <a:r>
-              <a:rPr lang="en-US" smtClean="0"/>
+              <a:rPr lang="en-US"/>
               <a:t>Third level</a:t>
             </a:r>
           </a:p>
           <a:p>
             <a:pPr lvl="3"/>
             <a:r>
-              <a:rPr lang="en-US" smtClean="0"/>
+              <a:rPr lang="en-US"/>
               <a:t>Fourth level</a:t>
             </a:r>
           </a:p>
           <a:p>
             <a:pPr lvl="4"/>
             <a:r>
-              <a:rPr lang="en-US" smtClean="0"/>
+              <a:rPr lang="en-US"/>
               <a:t>Fifth level</a:t>
             </a:r>
-            <a:endParaRPr lang="en-US"/>
           </a:p>
         </p:txBody>
       </p:sp>
@@ -2865,7 +2761,7 @@
           <a:p>
             <a:pPr lvl="0"/>
             <a:r>
-              <a:rPr lang="en-US" smtClean="0"/>
+              <a:rPr lang="en-US"/>
               <a:t>Click to edit Master text styles</a:t>
             </a:r>
           </a:p>
@@ -2888,7 +2784,7 @@
           <a:p>
             <a:fld id="{C13D6E94-07BA-4493-8472-4171109EB88D}" type="datetime1">
               <a:rPr lang="en-US" smtClean="0"/>
-              <a:t>4/14/2019</a:t>
+              <a:t>4/27/2019</a:t>
             </a:fld>
             <a:endParaRPr lang="en-US" dirty="0"/>
           </a:p>
@@ -2910,26 +2806,25 @@
           <a:lstStyle/>
           <a:p>
             <a:r>
-              <a:rPr lang="en-US" dirty="0" smtClean="0"/>
+              <a:rPr lang="en-US" dirty="0"/>
               <a:t>@</a:t>
             </a:r>
             <a:r>
-              <a:rPr lang="en-US" dirty="0" err="1" smtClean="0"/>
+              <a:rPr lang="en-US" dirty="0" err="1"/>
               <a:t>KevinMarquette</a:t>
             </a:r>
             <a:r>
-              <a:rPr lang="en-US" dirty="0" smtClean="0"/>
+              <a:rPr lang="en-US" dirty="0"/>
               <a:t> #</a:t>
             </a:r>
             <a:r>
-              <a:rPr lang="en-US" dirty="0" err="1" smtClean="0"/>
+              <a:rPr lang="en-US" dirty="0" err="1"/>
               <a:t>PSHSummit</a:t>
             </a:r>
             <a:r>
-              <a:rPr lang="en-US" dirty="0" smtClean="0"/>
+              <a:rPr lang="en-US" dirty="0"/>
               <a:t> #KM404</a:t>
             </a:r>
-            <a:endParaRPr lang="en-US" dirty="0"/>
           </a:p>
         </p:txBody>
       </p:sp>
@@ -2962,13 +2857,6 @@
   <p:clrMapOvr>
     <a:masterClrMapping/>
   </p:clrMapOvr>
-  <p:timing>
-    <p:tnLst>
-      <p:par>
-        <p:cTn id="1" dur="indefinite" restart="never" nodeType="tmRoot"/>
-      </p:par>
-    </p:tnLst>
-  </p:timing>
 </p:sldLayout>
 </file>
 
@@ -3014,10 +2902,9 @@
           </a:lstStyle>
           <a:p>
             <a:r>
-              <a:rPr lang="en-US" smtClean="0"/>
+              <a:rPr lang="en-US"/>
               <a:t>Click to edit Master title style</a:t>
             </a:r>
-            <a:endParaRPr lang="en-US"/>
           </a:p>
         </p:txBody>
       </p:sp>
@@ -3141,7 +3028,7 @@
           <a:p>
             <a:pPr lvl="0"/>
             <a:r>
-              <a:rPr lang="en-US" smtClean="0"/>
+              <a:rPr lang="en-US"/>
               <a:t>Click to edit Master text styles</a:t>
             </a:r>
           </a:p>
@@ -3164,7 +3051,7 @@
           <a:p>
             <a:fld id="{DEBAA425-7962-477B-B9B1-DD65387D6F76}" type="datetime1">
               <a:rPr lang="en-US" smtClean="0"/>
-              <a:t>4/14/2019</a:t>
+              <a:t>4/27/2019</a:t>
             </a:fld>
             <a:endParaRPr lang="en-US" dirty="0"/>
           </a:p>
@@ -3186,26 +3073,25 @@
           <a:lstStyle/>
           <a:p>
             <a:r>
-              <a:rPr lang="en-US" dirty="0" smtClean="0"/>
+              <a:rPr lang="en-US" dirty="0"/>
               <a:t>@</a:t>
             </a:r>
             <a:r>
-              <a:rPr lang="en-US" dirty="0" err="1" smtClean="0"/>
+              <a:rPr lang="en-US" dirty="0" err="1"/>
               <a:t>KevinMarquette</a:t>
             </a:r>
             <a:r>
-              <a:rPr lang="en-US" dirty="0" smtClean="0"/>
+              <a:rPr lang="en-US" dirty="0"/>
               <a:t> #</a:t>
             </a:r>
             <a:r>
-              <a:rPr lang="en-US" dirty="0" err="1" smtClean="0"/>
+              <a:rPr lang="en-US" dirty="0" err="1"/>
               <a:t>PSHSummit</a:t>
             </a:r>
             <a:r>
-              <a:rPr lang="en-US" dirty="0" smtClean="0"/>
+              <a:rPr lang="en-US" dirty="0"/>
               <a:t> #KM404</a:t>
             </a:r>
-            <a:endParaRPr lang="en-US" dirty="0"/>
           </a:p>
         </p:txBody>
       </p:sp>
@@ -3238,13 +3124,6 @@
   <p:clrMapOvr>
     <a:masterClrMapping/>
   </p:clrMapOvr>
-  <p:timing>
-    <p:tnLst>
-      <p:par>
-        <p:cTn id="1" dur="indefinite" restart="never" nodeType="tmRoot"/>
-      </p:par>
-    </p:tnLst>
-  </p:timing>
 </p:sldLayout>
 </file>
 
@@ -3296,10 +3175,9 @@
           <a:lstStyle/>
           <a:p>
             <a:r>
-              <a:rPr lang="en-US" dirty="0" smtClean="0"/>
+              <a:rPr lang="en-US" dirty="0"/>
               <a:t>Click to edit Master title style</a:t>
             </a:r>
-            <a:endParaRPr lang="en-US" dirty="0"/>
           </a:p>
         </p:txBody>
       </p:sp>
@@ -3330,38 +3208,37 @@
           <a:p>
             <a:pPr lvl="0"/>
             <a:r>
-              <a:rPr lang="en-US" dirty="0" smtClean="0"/>
+              <a:rPr lang="en-US" dirty="0"/>
               <a:t>Click to edit Master text styles</a:t>
             </a:r>
           </a:p>
           <a:p>
             <a:pPr lvl="1"/>
             <a:r>
-              <a:rPr lang="en-US" dirty="0" smtClean="0"/>
+              <a:rPr lang="en-US" dirty="0"/>
               <a:t>Second level</a:t>
             </a:r>
           </a:p>
           <a:p>
             <a:pPr lvl="2"/>
             <a:r>
-              <a:rPr lang="en-US" dirty="0" smtClean="0"/>
+              <a:rPr lang="en-US" dirty="0"/>
               <a:t>Third level</a:t>
             </a:r>
           </a:p>
           <a:p>
             <a:pPr lvl="3"/>
             <a:r>
-              <a:rPr lang="en-US" dirty="0" smtClean="0"/>
+              <a:rPr lang="en-US" dirty="0"/>
               <a:t>Fourth level</a:t>
             </a:r>
           </a:p>
           <a:p>
             <a:pPr lvl="4"/>
             <a:r>
-              <a:rPr lang="en-US" dirty="0" smtClean="0"/>
+              <a:rPr lang="en-US" dirty="0"/>
               <a:t>Fifth level</a:t>
             </a:r>
-            <a:endParaRPr lang="en-US" dirty="0"/>
           </a:p>
         </p:txBody>
       </p:sp>
@@ -3400,7 +3277,7 @@
           <a:p>
             <a:fld id="{C0551E37-54FE-4ED1-AA63-3577663042E0}" type="datetime1">
               <a:rPr lang="en-US" smtClean="0"/>
-              <a:t>4/14/2019</a:t>
+              <a:t>4/27/2019</a:t>
             </a:fld>
             <a:endParaRPr lang="en-US" dirty="0"/>
           </a:p>
@@ -3440,26 +3317,25 @@
           </a:lstStyle>
           <a:p>
             <a:r>
-              <a:rPr lang="en-US" dirty="0" smtClean="0"/>
+              <a:rPr lang="en-US" dirty="0"/>
               <a:t>@</a:t>
             </a:r>
             <a:r>
-              <a:rPr lang="en-US" dirty="0" err="1" smtClean="0"/>
+              <a:rPr lang="en-US" dirty="0" err="1"/>
               <a:t>KevinMarquette</a:t>
             </a:r>
             <a:r>
-              <a:rPr lang="en-US" dirty="0" smtClean="0"/>
+              <a:rPr lang="en-US" dirty="0"/>
               <a:t> #</a:t>
             </a:r>
             <a:r>
-              <a:rPr lang="en-US" dirty="0" err="1" smtClean="0"/>
+              <a:rPr lang="en-US" dirty="0" err="1"/>
               <a:t>PSHSummit</a:t>
             </a:r>
             <a:r>
-              <a:rPr lang="en-US" dirty="0" smtClean="0"/>
+              <a:rPr lang="en-US" dirty="0"/>
               <a:t> #KM404</a:t>
             </a:r>
-            <a:endParaRPr lang="en-US" dirty="0"/>
           </a:p>
         </p:txBody>
       </p:sp>
@@ -3558,13 +3434,6 @@
     <p:sldLayoutId id="2147483679" r:id="rId11"/>
     <p:sldLayoutId id="2147483680" r:id="rId12"/>
   </p:sldLayoutIdLst>
-  <p:timing>
-    <p:tnLst>
-      <p:par>
-        <p:cTn id="1" dur="indefinite" restart="never" nodeType="tmRoot"/>
-      </p:par>
-    </p:tnLst>
-  </p:timing>
   <p:hf sldNum="0" hdr="0" dt="0"/>
   <p:txStyles>
     <p:titleStyle>
@@ -3890,9 +3759,8 @@
           <a:p>
             <a:r>
               <a:rPr lang="en-US" dirty="0"/>
-              <a:t>Publishing and Managing Modules in an Internal Repository</a:t>
-            </a:r>
-            <a:endParaRPr lang="en-US" dirty="0"/>
+              <a:t>Publishing and Managing Modules with an Internal Repository</a:t>
+            </a:r>
           </a:p>
         </p:txBody>
       </p:sp>
@@ -3917,7 +3785,7 @@
           <a:lstStyle/>
           <a:p>
             <a:r>
-              <a:rPr lang="en-US" dirty="0" smtClean="0"/>
+              <a:rPr lang="en-US" dirty="0"/>
               <a:t>Kevin Marquette</a:t>
             </a:r>
           </a:p>
@@ -3933,626 +3801,6 @@
   <p:clrMapOvr>
     <a:masterClrMapping/>
   </p:clrMapOvr>
-  <p:timing>
-    <p:tnLst>
-      <p:par>
-        <p:cTn id="1" dur="indefinite" restart="never" nodeType="tmRoot"/>
-      </p:par>
-    </p:tnLst>
-  </p:timing>
-</p:sld>
-</file>
-
-<file path=ppt/slides/slide10.xml><?xml version="1.0" encoding="utf-8"?>
-<p:sld xmlns:a="http://schemas.openxmlformats.org/drawingml/2006/main" xmlns:r="http://schemas.openxmlformats.org/officeDocument/2006/relationships" xmlns:p="http://schemas.openxmlformats.org/presentationml/2006/main">
-  <p:cSld>
-    <p:spTree>
-      <p:nvGrpSpPr>
-        <p:cNvPr id="1" name=""/>
-        <p:cNvGrpSpPr/>
-        <p:nvPr/>
-      </p:nvGrpSpPr>
-      <p:grpSpPr>
-        <a:xfrm>
-          <a:off x="0" y="0"/>
-          <a:ext cx="0" cy="0"/>
-          <a:chOff x="0" y="0"/>
-          <a:chExt cx="0" cy="0"/>
-        </a:xfrm>
-      </p:grpSpPr>
-      <p:sp>
-        <p:nvSpPr>
-          <p:cNvPr id="2" name="Title 1"/>
-          <p:cNvSpPr>
-            <a:spLocks noGrp="1"/>
-          </p:cNvSpPr>
-          <p:nvPr>
-            <p:ph type="title"/>
-          </p:nvPr>
-        </p:nvSpPr>
-        <p:spPr/>
-        <p:txBody>
-          <a:bodyPr/>
-          <a:lstStyle/>
-          <a:p>
-            <a:r>
-              <a:rPr lang="en-US" dirty="0" smtClean="0"/>
-              <a:t>PowerShellExplained.com</a:t>
-            </a:r>
-            <a:endParaRPr lang="en-US" dirty="0"/>
-          </a:p>
-        </p:txBody>
-      </p:sp>
-      <p:sp>
-        <p:nvSpPr>
-          <p:cNvPr id="4" name="Footer Placeholder 3"/>
-          <p:cNvSpPr>
-            <a:spLocks noGrp="1"/>
-          </p:cNvSpPr>
-          <p:nvPr>
-            <p:ph type="ftr" sz="quarter" idx="11"/>
-          </p:nvPr>
-        </p:nvSpPr>
-        <p:spPr/>
-        <p:txBody>
-          <a:bodyPr/>
-          <a:lstStyle/>
-          <a:p>
-            <a:r>
-              <a:rPr lang="en-US" smtClean="0"/>
-              <a:t>@KevinMarquette #PSHSummit #KM404</a:t>
-            </a:r>
-            <a:endParaRPr lang="en-US" dirty="0"/>
-          </a:p>
-        </p:txBody>
-      </p:sp>
-      <p:sp>
-        <p:nvSpPr>
-          <p:cNvPr id="3" name="Content Placeholder 2"/>
-          <p:cNvSpPr>
-            <a:spLocks noGrp="1"/>
-          </p:cNvSpPr>
-          <p:nvPr>
-            <p:ph idx="1"/>
-          </p:nvPr>
-        </p:nvSpPr>
-        <p:spPr>
-          <a:xfrm>
-            <a:off x="3888953" y="1825625"/>
-            <a:ext cx="7701363" cy="4351338"/>
-          </a:xfrm>
-        </p:spPr>
-        <p:txBody>
-          <a:bodyPr/>
-          <a:lstStyle/>
-          <a:p>
-            <a:pPr marL="0" indent="0">
-              <a:buNone/>
-            </a:pPr>
-            <a:r>
-              <a:rPr lang="en-US" dirty="0" smtClean="0"/>
-              <a:t>Related Articles:</a:t>
-            </a:r>
-            <a:endParaRPr lang="en-US" dirty="0" smtClean="0">
-              <a:hlinkClick r:id="rId2"/>
-            </a:endParaRPr>
-          </a:p>
-          <a:p>
-            <a:r>
-              <a:rPr lang="en-US" dirty="0" smtClean="0">
-                <a:hlinkClick r:id="rId2"/>
-              </a:rPr>
-              <a:t>Your </a:t>
-            </a:r>
-            <a:r>
-              <a:rPr lang="en-US" dirty="0">
-                <a:hlinkClick r:id="rId2"/>
-              </a:rPr>
-              <a:t>first internal </a:t>
-            </a:r>
-            <a:r>
-              <a:rPr lang="en-US" dirty="0" err="1" smtClean="0">
-                <a:hlinkClick r:id="rId2"/>
-              </a:rPr>
-              <a:t>PSRepository</a:t>
-            </a:r>
-            <a:endParaRPr lang="en-US" dirty="0">
-              <a:hlinkClick r:id="rId2"/>
-            </a:endParaRPr>
-          </a:p>
-          <a:p>
-            <a:r>
-              <a:rPr lang="en-US" dirty="0">
-                <a:hlinkClick r:id="rId3"/>
-              </a:rPr>
-              <a:t>Using a </a:t>
-            </a:r>
-            <a:r>
-              <a:rPr lang="en-US" dirty="0" err="1">
-                <a:hlinkClick r:id="rId3"/>
-              </a:rPr>
-              <a:t>NuGet</a:t>
-            </a:r>
-            <a:r>
-              <a:rPr lang="en-US" dirty="0">
-                <a:hlinkClick r:id="rId3"/>
-              </a:rPr>
-              <a:t> server for a </a:t>
-            </a:r>
-            <a:r>
-              <a:rPr lang="en-US" dirty="0" err="1" smtClean="0">
-                <a:hlinkClick r:id="rId3"/>
-              </a:rPr>
-              <a:t>PSRepository</a:t>
-            </a:r>
-            <a:endParaRPr lang="en-US" dirty="0" smtClean="0"/>
-          </a:p>
-          <a:p>
-            <a:r>
-              <a:rPr lang="en-US" dirty="0">
-                <a:hlinkClick r:id="rId4"/>
-              </a:rPr>
-              <a:t>Publishing community modules to </a:t>
-            </a:r>
-            <a:r>
-              <a:rPr lang="en-US" dirty="0" smtClean="0">
-                <a:hlinkClick r:id="rId4"/>
-              </a:rPr>
-              <a:t>a </a:t>
-            </a:r>
-            <a:r>
-              <a:rPr lang="en-US" dirty="0" err="1" smtClean="0">
-                <a:hlinkClick r:id="rId4"/>
-              </a:rPr>
-              <a:t>PSRepository</a:t>
-            </a:r>
-            <a:endParaRPr lang="en-US" dirty="0" smtClean="0"/>
-          </a:p>
-          <a:p>
-            <a:r>
-              <a:rPr lang="en-US" dirty="0">
-                <a:hlinkClick r:id="rId5"/>
-              </a:rPr>
-              <a:t>Let's build the </a:t>
-            </a:r>
-            <a:r>
-              <a:rPr lang="en-US" dirty="0" smtClean="0">
-                <a:hlinkClick r:id="rId5"/>
-              </a:rPr>
-              <a:t>CI/CD </a:t>
-            </a:r>
-            <a:r>
-              <a:rPr lang="en-US" dirty="0">
-                <a:hlinkClick r:id="rId5"/>
-              </a:rPr>
-              <a:t>pipeline for a new </a:t>
-            </a:r>
-            <a:r>
-              <a:rPr lang="en-US" dirty="0" smtClean="0">
-                <a:hlinkClick r:id="rId5"/>
-              </a:rPr>
-              <a:t>module</a:t>
-            </a:r>
-            <a:endParaRPr lang="en-US" dirty="0" smtClean="0"/>
-          </a:p>
-          <a:p>
-            <a:endParaRPr lang="en-US" dirty="0" smtClean="0"/>
-          </a:p>
-          <a:p>
-            <a:endParaRPr lang="en-US" dirty="0"/>
-          </a:p>
-        </p:txBody>
-      </p:sp>
-      <p:pic>
-        <p:nvPicPr>
-          <p:cNvPr id="6" name="Picture 5"/>
-          <p:cNvPicPr>
-            <a:picLocks noChangeAspect="1"/>
-          </p:cNvPicPr>
-          <p:nvPr/>
-        </p:nvPicPr>
-        <p:blipFill>
-          <a:blip r:embed="rId6">
-            <a:extLst>
-              <a:ext uri="{28A0092B-C50C-407E-A947-70E740481C1C}">
-                <a14:useLocalDpi xmlns:a14="http://schemas.microsoft.com/office/drawing/2010/main" val="0"/>
-              </a:ext>
-            </a:extLst>
-          </a:blip>
-          <a:stretch>
-            <a:fillRect/>
-          </a:stretch>
-        </p:blipFill>
-        <p:spPr>
-          <a:xfrm>
-            <a:off x="10707582" y="95002"/>
-            <a:ext cx="1365663" cy="1365663"/>
-          </a:xfrm>
-          <a:prstGeom prst="ellipse">
-            <a:avLst/>
-          </a:prstGeom>
-          <a:ln w="63500" cap="rnd">
-            <a:solidFill>
-              <a:schemeClr val="bg1"/>
-            </a:solidFill>
-          </a:ln>
-          <a:effectLst/>
-          <a:scene3d>
-            <a:camera prst="orthographicFront"/>
-            <a:lightRig rig="contrasting" dir="t">
-              <a:rot lat="0" lon="0" rev="3000000"/>
-            </a:lightRig>
-          </a:scene3d>
-          <a:sp3d contourW="7620">
-            <a:bevelT w="95250" h="31750"/>
-            <a:contourClr>
-              <a:srgbClr val="333333"/>
-            </a:contourClr>
-          </a:sp3d>
-        </p:spPr>
-      </p:pic>
-    </p:spTree>
-    <p:extLst>
-      <p:ext uri="{BB962C8B-B14F-4D97-AF65-F5344CB8AC3E}">
-        <p14:creationId xmlns:p14="http://schemas.microsoft.com/office/powerpoint/2010/main" val="2891642841"/>
-      </p:ext>
-    </p:extLst>
-  </p:cSld>
-  <p:clrMapOvr>
-    <a:masterClrMapping/>
-  </p:clrMapOvr>
-  <p:timing>
-    <p:tnLst>
-      <p:par>
-        <p:cTn id="1" dur="indefinite" restart="never" nodeType="tmRoot"/>
-      </p:par>
-    </p:tnLst>
-  </p:timing>
-</p:sld>
-</file>
-
-<file path=ppt/slides/slide11.xml><?xml version="1.0" encoding="utf-8"?>
-<p:sld xmlns:a="http://schemas.openxmlformats.org/drawingml/2006/main" xmlns:r="http://schemas.openxmlformats.org/officeDocument/2006/relationships" xmlns:p="http://schemas.openxmlformats.org/presentationml/2006/main">
-  <p:cSld>
-    <p:spTree>
-      <p:nvGrpSpPr>
-        <p:cNvPr id="1" name=""/>
-        <p:cNvGrpSpPr/>
-        <p:nvPr/>
-      </p:nvGrpSpPr>
-      <p:grpSpPr>
-        <a:xfrm>
-          <a:off x="0" y="0"/>
-          <a:ext cx="0" cy="0"/>
-          <a:chOff x="0" y="0"/>
-          <a:chExt cx="0" cy="0"/>
-        </a:xfrm>
-      </p:grpSpPr>
-      <p:sp>
-        <p:nvSpPr>
-          <p:cNvPr id="2" name="Footer Placeholder 1"/>
-          <p:cNvSpPr>
-            <a:spLocks noGrp="1"/>
-          </p:cNvSpPr>
-          <p:nvPr>
-            <p:ph type="ftr" sz="quarter" idx="11"/>
-          </p:nvPr>
-        </p:nvSpPr>
-        <p:spPr/>
-        <p:txBody>
-          <a:bodyPr/>
-          <a:lstStyle/>
-          <a:p>
-            <a:r>
-              <a:rPr lang="en-US" smtClean="0"/>
-              <a:t>@KevinMarquette #PSHSummit #KM404</a:t>
-            </a:r>
-            <a:endParaRPr lang="en-US" dirty="0"/>
-          </a:p>
-        </p:txBody>
-      </p:sp>
-    </p:spTree>
-    <p:extLst>
-      <p:ext uri="{BB962C8B-B14F-4D97-AF65-F5344CB8AC3E}">
-        <p14:creationId xmlns:p14="http://schemas.microsoft.com/office/powerpoint/2010/main" val="102638022"/>
-      </p:ext>
-    </p:extLst>
-  </p:cSld>
-  <p:clrMapOvr>
-    <a:masterClrMapping/>
-  </p:clrMapOvr>
-  <p:timing>
-    <p:tnLst>
-      <p:par>
-        <p:cTn id="1" dur="indefinite" restart="never" nodeType="tmRoot"/>
-      </p:par>
-    </p:tnLst>
-  </p:timing>
-</p:sld>
-</file>
-
-<file path=ppt/slides/slide12.xml><?xml version="1.0" encoding="utf-8"?>
-<p:sld xmlns:a="http://schemas.openxmlformats.org/drawingml/2006/main" xmlns:r="http://schemas.openxmlformats.org/officeDocument/2006/relationships" xmlns:p="http://schemas.openxmlformats.org/presentationml/2006/main">
-  <p:cSld>
-    <p:spTree>
-      <p:nvGrpSpPr>
-        <p:cNvPr id="1" name=""/>
-        <p:cNvGrpSpPr/>
-        <p:nvPr/>
-      </p:nvGrpSpPr>
-      <p:grpSpPr>
-        <a:xfrm>
-          <a:off x="0" y="0"/>
-          <a:ext cx="0" cy="0"/>
-          <a:chOff x="0" y="0"/>
-          <a:chExt cx="0" cy="0"/>
-        </a:xfrm>
-      </p:grpSpPr>
-      <p:sp>
-        <p:nvSpPr>
-          <p:cNvPr id="2" name="Title 1"/>
-          <p:cNvSpPr>
-            <a:spLocks noGrp="1"/>
-          </p:cNvSpPr>
-          <p:nvPr>
-            <p:ph type="title"/>
-          </p:nvPr>
-        </p:nvSpPr>
-        <p:spPr>
-          <a:xfrm>
-            <a:off x="3230088" y="365125"/>
-            <a:ext cx="8123712" cy="1325563"/>
-          </a:xfrm>
-        </p:spPr>
-        <p:txBody>
-          <a:bodyPr/>
-          <a:lstStyle/>
-          <a:p>
-            <a:r>
-              <a:rPr lang="en-US" dirty="0" smtClean="0"/>
-              <a:t>About Kevin Marquette</a:t>
-            </a:r>
-            <a:endParaRPr lang="en-US" dirty="0"/>
-          </a:p>
-        </p:txBody>
-      </p:sp>
-      <p:sp>
-        <p:nvSpPr>
-          <p:cNvPr id="3" name="Content Placeholder 2"/>
-          <p:cNvSpPr>
-            <a:spLocks noGrp="1"/>
-          </p:cNvSpPr>
-          <p:nvPr>
-            <p:ph idx="1"/>
-          </p:nvPr>
-        </p:nvSpPr>
-        <p:spPr>
-          <a:xfrm>
-            <a:off x="3906982" y="1825625"/>
-            <a:ext cx="7446818" cy="4351338"/>
-          </a:xfrm>
-        </p:spPr>
-        <p:txBody>
-          <a:bodyPr>
-            <a:normAutofit/>
-          </a:bodyPr>
-          <a:lstStyle/>
-          <a:p>
-            <a:r>
-              <a:rPr lang="en-US" dirty="0" smtClean="0"/>
-              <a:t>Principal DevOps Engineer at </a:t>
-            </a:r>
-            <a:r>
-              <a:rPr lang="en-US" dirty="0" err="1" smtClean="0"/>
-              <a:t>loanDepot</a:t>
-            </a:r>
-            <a:endParaRPr lang="en-US" dirty="0" smtClean="0"/>
-          </a:p>
-          <a:p>
-            <a:r>
-              <a:rPr lang="en-US" dirty="0" smtClean="0"/>
-              <a:t>Microsoft MVP</a:t>
-            </a:r>
-          </a:p>
-          <a:p>
-            <a:r>
-              <a:rPr lang="en-US" dirty="0" smtClean="0"/>
-              <a:t>2018 PowerShell Community Hero</a:t>
-            </a:r>
-          </a:p>
-          <a:p>
-            <a:r>
-              <a:rPr lang="en-US" dirty="0" smtClean="0"/>
-              <a:t>SoCal PowerShell User Group Organizer</a:t>
-            </a:r>
-          </a:p>
-          <a:p>
-            <a:r>
-              <a:rPr lang="en-US" dirty="0" smtClean="0"/>
-              <a:t>PowerShellExplained.com</a:t>
-            </a:r>
-          </a:p>
-          <a:p>
-            <a:r>
-              <a:rPr lang="en-US" dirty="0" smtClean="0"/>
-              <a:t>Module Author: </a:t>
-            </a:r>
-            <a:r>
-              <a:rPr lang="en-US" sz="2000" dirty="0" err="1" smtClean="0"/>
-              <a:t>PSGraph</a:t>
-            </a:r>
-            <a:r>
-              <a:rPr lang="en-US" sz="2000" dirty="0" smtClean="0"/>
-              <a:t>, </a:t>
-            </a:r>
-            <a:r>
-              <a:rPr lang="en-US" sz="2000" dirty="0" err="1" smtClean="0"/>
-              <a:t>VsoLoggingCommands</a:t>
-            </a:r>
-            <a:r>
-              <a:rPr lang="en-US" sz="2000" dirty="0" smtClean="0"/>
-              <a:t>, TFVC,</a:t>
-            </a:r>
-            <a:r>
-              <a:rPr lang="en-US" sz="2000" dirty="0" smtClean="0"/>
-              <a:t> </a:t>
-            </a:r>
-            <a:r>
-              <a:rPr lang="en-US" sz="2000" dirty="0" smtClean="0"/>
-              <a:t>Chronometer, </a:t>
-            </a:r>
-            <a:r>
-              <a:rPr lang="en-US" sz="2000" dirty="0" smtClean="0"/>
-              <a:t>Jira, </a:t>
-            </a:r>
-            <a:r>
-              <a:rPr lang="en-US" sz="2000" dirty="0" err="1" smtClean="0"/>
-              <a:t>DependsOn</a:t>
-            </a:r>
-            <a:r>
-              <a:rPr lang="en-US" sz="2000" dirty="0" smtClean="0"/>
-              <a:t>, Watch-Command, Select-</a:t>
-            </a:r>
-            <a:r>
-              <a:rPr lang="en-US" sz="2000" dirty="0" err="1" smtClean="0"/>
-              <a:t>Ast</a:t>
-            </a:r>
-            <a:endParaRPr lang="en-US" dirty="0"/>
-          </a:p>
-          <a:p>
-            <a:r>
-              <a:rPr lang="en-US" dirty="0" smtClean="0">
-                <a:hlinkClick r:id="rId2"/>
-              </a:rPr>
-              <a:t>KevMar@gmail.com</a:t>
-            </a:r>
-            <a:endParaRPr lang="en-US" dirty="0" smtClean="0"/>
-          </a:p>
-          <a:p>
-            <a:r>
-              <a:rPr lang="en-US" dirty="0" smtClean="0"/>
-              <a:t>@</a:t>
-            </a:r>
-            <a:r>
-              <a:rPr lang="en-US" dirty="0" err="1" smtClean="0"/>
-              <a:t>KevinMarquette</a:t>
-            </a:r>
-            <a:endParaRPr lang="en-US" dirty="0" smtClean="0"/>
-          </a:p>
-        </p:txBody>
-      </p:sp>
-      <p:pic>
-        <p:nvPicPr>
-          <p:cNvPr id="4" name="Picture 3"/>
-          <p:cNvPicPr>
-            <a:picLocks noChangeAspect="1"/>
-          </p:cNvPicPr>
-          <p:nvPr/>
-        </p:nvPicPr>
-        <p:blipFill>
-          <a:blip r:embed="rId3">
-            <a:extLst>
-              <a:ext uri="{28A0092B-C50C-407E-A947-70E740481C1C}">
-                <a14:useLocalDpi xmlns:a14="http://schemas.microsoft.com/office/drawing/2010/main" val="0"/>
-              </a:ext>
-            </a:extLst>
-          </a:blip>
-          <a:stretch>
-            <a:fillRect/>
-          </a:stretch>
-        </p:blipFill>
-        <p:spPr>
-          <a:xfrm>
-            <a:off x="10707582" y="95002"/>
-            <a:ext cx="1365663" cy="1365663"/>
-          </a:xfrm>
-          <a:prstGeom prst="ellipse">
-            <a:avLst/>
-          </a:prstGeom>
-          <a:ln w="63500" cap="rnd">
-            <a:solidFill>
-              <a:schemeClr val="bg1"/>
-            </a:solidFill>
-          </a:ln>
-          <a:effectLst/>
-          <a:scene3d>
-            <a:camera prst="orthographicFront"/>
-            <a:lightRig rig="contrasting" dir="t">
-              <a:rot lat="0" lon="0" rev="3000000"/>
-            </a:lightRig>
-          </a:scene3d>
-          <a:sp3d contourW="7620">
-            <a:bevelT w="95250" h="31750"/>
-            <a:contourClr>
-              <a:srgbClr val="333333"/>
-            </a:contourClr>
-          </a:sp3d>
-        </p:spPr>
-      </p:pic>
-      <p:sp>
-        <p:nvSpPr>
-          <p:cNvPr id="5" name="Footer Placeholder 4"/>
-          <p:cNvSpPr>
-            <a:spLocks noGrp="1"/>
-          </p:cNvSpPr>
-          <p:nvPr>
-            <p:ph type="ftr" sz="quarter" idx="11"/>
-          </p:nvPr>
-        </p:nvSpPr>
-        <p:spPr/>
-        <p:txBody>
-          <a:bodyPr/>
-          <a:lstStyle/>
-          <a:p>
-            <a:r>
-              <a:rPr lang="en-US" smtClean="0"/>
-              <a:t>@KevinMarquette #PSHSummit #KM404</a:t>
-            </a:r>
-            <a:endParaRPr lang="en-US" dirty="0"/>
-          </a:p>
-        </p:txBody>
-      </p:sp>
-      <p:pic>
-        <p:nvPicPr>
-          <p:cNvPr id="6" name="Picture 5"/>
-          <p:cNvPicPr>
-            <a:picLocks noChangeAspect="1"/>
-          </p:cNvPicPr>
-          <p:nvPr/>
-        </p:nvPicPr>
-        <p:blipFill>
-          <a:blip r:embed="rId4"/>
-          <a:stretch>
-            <a:fillRect/>
-          </a:stretch>
-        </p:blipFill>
-        <p:spPr>
-          <a:xfrm>
-            <a:off x="8459560" y="1873125"/>
-            <a:ext cx="1882150" cy="385824"/>
-          </a:xfrm>
-          <a:prstGeom prst="rect">
-            <a:avLst/>
-          </a:prstGeom>
-        </p:spPr>
-      </p:pic>
-    </p:spTree>
-    <p:extLst>
-      <p:ext uri="{BB962C8B-B14F-4D97-AF65-F5344CB8AC3E}">
-        <p14:creationId xmlns:p14="http://schemas.microsoft.com/office/powerpoint/2010/main" val="1395672429"/>
-      </p:ext>
-    </p:extLst>
-  </p:cSld>
-  <p:clrMapOvr>
-    <a:masterClrMapping/>
-  </p:clrMapOvr>
-  <p:timing>
-    <p:tnLst>
-      <p:par>
-        <p:cTn id="1" dur="indefinite" restart="never" nodeType="tmRoot"/>
-      </p:par>
-    </p:tnLst>
-  </p:timing>
 </p:sld>
 </file>
 
@@ -4596,7 +3844,7 @@
           <a:lstStyle/>
           <a:p>
             <a:r>
-              <a:rPr lang="en-US" sz="8800" dirty="0" smtClean="0">
+              <a:rPr lang="en-US" sz="8800" dirty="0">
                 <a:solidFill>
                   <a:schemeClr val="bg1">
                     <a:lumMod val="85000"/>
@@ -4604,16 +3852,8 @@
                 </a:solidFill>
                 <a:latin typeface="Consolas" panose="020B0609020204030204" pitchFamily="49" charset="0"/>
               </a:rPr>
-              <a:t>Find-Module</a:t>
-            </a:r>
-            <a:endParaRPr lang="en-US" sz="8800" dirty="0">
-              <a:solidFill>
-                <a:schemeClr val="bg1">
-                  <a:lumMod val="85000"/>
-                </a:schemeClr>
-              </a:solidFill>
-              <a:latin typeface="Consolas" panose="020B0609020204030204" pitchFamily="49" charset="0"/>
-            </a:endParaRPr>
+              <a:t>Get-Module</a:t>
+            </a:r>
           </a:p>
         </p:txBody>
       </p:sp>
@@ -4633,10 +3873,9 @@
           <a:lstStyle/>
           <a:p>
             <a:r>
-              <a:rPr lang="en-US" dirty="0" smtClean="0"/>
-              <a:t>Modules at </a:t>
-            </a:r>
-            <a:endParaRPr lang="en-US" dirty="0"/>
+              <a:rPr lang="en-US" dirty="0"/>
+              <a:t>PowerShell at </a:t>
+            </a:r>
           </a:p>
         </p:txBody>
       </p:sp>
@@ -4661,64 +3900,69 @@
           <a:lstStyle/>
           <a:p>
             <a:r>
-              <a:rPr lang="en-US" dirty="0" smtClean="0"/>
-              <a:t>31 Private </a:t>
-            </a:r>
-            <a:r>
-              <a:rPr lang="en-US" dirty="0" err="1" smtClean="0"/>
+              <a:rPr lang="en-US" dirty="0"/>
+              <a:t>+30 Internal </a:t>
+            </a:r>
+            <a:r>
+              <a:rPr lang="en-US" dirty="0" err="1"/>
               <a:t>loanDepot</a:t>
             </a:r>
-            <a:endParaRPr lang="en-US" dirty="0" smtClean="0"/>
-          </a:p>
-          <a:p>
-            <a:r>
-              <a:rPr lang="en-US" dirty="0" smtClean="0"/>
+            <a:r>
+              <a:rPr lang="en-US" dirty="0"/>
+              <a:t> Modules</a:t>
+            </a:r>
+          </a:p>
+          <a:p>
+            <a:pPr lvl="1"/>
+            <a:r>
+              <a:rPr lang="en-US" dirty="0"/>
+              <a:t>+700 Functions</a:t>
+            </a:r>
+          </a:p>
+          <a:p>
+            <a:r>
+              <a:rPr lang="en-US" dirty="0"/>
               <a:t>4 Open Source </a:t>
             </a:r>
             <a:r>
-              <a:rPr lang="en-US" dirty="0" err="1" smtClean="0"/>
+              <a:rPr lang="en-US" dirty="0" err="1"/>
               <a:t>loanDepot</a:t>
             </a:r>
-            <a:endParaRPr lang="en-US" dirty="0" smtClean="0"/>
-          </a:p>
-          <a:p>
-            <a:r>
-              <a:rPr lang="en-US" dirty="0" smtClean="0"/>
-              <a:t>6 </a:t>
-            </a:r>
-            <a:r>
-              <a:rPr lang="en-US" dirty="0"/>
-              <a:t>Open Source </a:t>
-            </a:r>
-            <a:r>
-              <a:rPr lang="en-US" dirty="0" smtClean="0"/>
-              <a:t>from Kevin Marquette</a:t>
-            </a:r>
-          </a:p>
-          <a:p>
-            <a:r>
-              <a:rPr lang="en-US" dirty="0" smtClean="0"/>
-              <a:t>5 Modified Open Source</a:t>
-            </a:r>
-          </a:p>
-          <a:p>
-            <a:r>
-              <a:rPr lang="en-US" dirty="0"/>
-              <a:t>18 Re-hosted from </a:t>
-            </a:r>
-            <a:r>
-              <a:rPr lang="en-US" dirty="0" err="1" smtClean="0"/>
+            <a:r>
+              <a:rPr lang="en-US" dirty="0"/>
+              <a:t> Modules</a:t>
+            </a:r>
+          </a:p>
+          <a:p>
+            <a:r>
+              <a:rPr lang="en-US" dirty="0"/>
+              <a:t>6 Open Source Modules from Kevin Marquette</a:t>
+            </a:r>
+          </a:p>
+          <a:p>
+            <a:r>
+              <a:rPr lang="en-US" dirty="0"/>
+              <a:t>5 Modified Open Source Modules</a:t>
+            </a:r>
+          </a:p>
+          <a:p>
+            <a:r>
+              <a:rPr lang="en-US" dirty="0"/>
+              <a:t>18 Re-hosted Modules from </a:t>
+            </a:r>
+            <a:r>
+              <a:rPr lang="en-US" dirty="0" err="1"/>
               <a:t>PowerShellGalley</a:t>
             </a:r>
-            <a:endParaRPr lang="en-US" dirty="0" smtClean="0"/>
-          </a:p>
-          <a:p>
-            <a:r>
-              <a:rPr lang="en-US" dirty="0" smtClean="0"/>
+            <a:endParaRPr lang="en-US" dirty="0"/>
+          </a:p>
+          <a:p>
+            <a:r>
+              <a:rPr lang="en-US" dirty="0"/>
               <a:t>Also AZ and </a:t>
             </a:r>
             <a:r>
-              <a:rPr lang="en-US" dirty="0" err="1" smtClean="0"/>
+              <a:rPr lang="en-US" dirty="0" err="1"/>
               <a:t>PowerCli</a:t>
             </a:r>
             <a:endParaRPr lang="en-US" dirty="0"/>
@@ -4744,7 +3988,7 @@
           <a:lstStyle/>
           <a:p>
             <a:r>
-              <a:rPr lang="en-US" smtClean="0"/>
+              <a:rPr lang="en-US"/>
               <a:t>@KevinMarquette #PSHSummit #KM404</a:t>
             </a:r>
             <a:endParaRPr lang="en-US" dirty="0"/>
@@ -4767,7 +4011,7 @@
         </p:blipFill>
         <p:spPr>
           <a:xfrm>
-            <a:off x="6172847" y="601173"/>
+            <a:off x="6611258" y="621910"/>
             <a:ext cx="3961106" cy="811991"/>
           </a:xfrm>
           <a:prstGeom prst="rect">
@@ -4797,9 +4041,6 @@
                     <p:cTn id="3" fill="hold">
                       <p:stCondLst>
                         <p:cond delay="indefinite"/>
-                        <p:cond evt="onBegin" delay="0">
-                          <p:tn val="2"/>
-                        </p:cond>
                       </p:stCondLst>
                       <p:childTnLst>
                         <p:par>
@@ -4809,7 +4050,7 @@
                             </p:stCondLst>
                             <p:childTnLst>
                               <p:par>
-                                <p:cTn id="5" presetID="1" presetClass="entr" presetSubtype="0" fill="hold" grpId="0" nodeType="withEffect">
+                                <p:cTn id="5" presetID="1" presetClass="entr" presetSubtype="0" fill="hold" grpId="0" nodeType="clickEffect">
                                   <p:stCondLst>
                                     <p:cond delay="0"/>
                                   </p:stCondLst>
@@ -4840,7 +4081,7 @@
                                 </p:cTn>
                               </p:par>
                               <p:par>
-                                <p:cTn id="7" presetID="10" presetClass="entr" presetSubtype="0" fill="hold" grpId="0" nodeType="withEffect">
+                                <p:cTn id="7" presetID="1" presetClass="entr" presetSubtype="0" fill="hold" grpId="0" nodeType="withEffect">
                                   <p:stCondLst>
                                     <p:cond delay="0"/>
                                   </p:stCondLst>
@@ -4848,59 +4089,6 @@
                                     <p:set>
                                       <p:cBhvr>
                                         <p:cTn id="8" dur="1" fill="hold">
-                                          <p:stCondLst>
-                                            <p:cond delay="0"/>
-                                          </p:stCondLst>
-                                        </p:cTn>
-                                        <p:tgtEl>
-                                          <p:spTgt spid="8"/>
-                                        </p:tgtEl>
-                                        <p:attrNameLst>
-                                          <p:attrName>style.visibility</p:attrName>
-                                        </p:attrNameLst>
-                                      </p:cBhvr>
-                                      <p:to>
-                                        <p:strVal val="visible"/>
-                                      </p:to>
-                                    </p:set>
-                                    <p:animEffect transition="in" filter="fade">
-                                      <p:cBhvr>
-                                        <p:cTn id="9" dur="2000"/>
-                                        <p:tgtEl>
-                                          <p:spTgt spid="8"/>
-                                        </p:tgtEl>
-                                      </p:cBhvr>
-                                    </p:animEffect>
-                                  </p:childTnLst>
-                                </p:cTn>
-                              </p:par>
-                            </p:childTnLst>
-                          </p:cTn>
-                        </p:par>
-                      </p:childTnLst>
-                    </p:cTn>
-                  </p:par>
-                  <p:par>
-                    <p:cTn id="10" fill="hold">
-                      <p:stCondLst>
-                        <p:cond delay="indefinite"/>
-                      </p:stCondLst>
-                      <p:childTnLst>
-                        <p:par>
-                          <p:cTn id="11" fill="hold">
-                            <p:stCondLst>
-                              <p:cond delay="0"/>
-                            </p:stCondLst>
-                            <p:childTnLst>
-                              <p:par>
-                                <p:cTn id="12" presetID="1" presetClass="entr" presetSubtype="0" fill="hold" grpId="0" nodeType="clickEffect">
-                                  <p:stCondLst>
-                                    <p:cond delay="0"/>
-                                  </p:stCondLst>
-                                  <p:childTnLst>
-                                    <p:set>
-                                      <p:cBhvr>
-                                        <p:cTn id="13" dur="1" fill="hold">
                                           <p:stCondLst>
                                             <p:cond delay="0"/>
                                           </p:stCondLst>
@@ -4923,6 +4111,41 @@
                                   </p:childTnLst>
                                 </p:cTn>
                               </p:par>
+                              <p:par>
+                                <p:cTn id="9" presetID="10" presetClass="entr" presetSubtype="0" fill="hold" grpId="0" nodeType="withEffect">
+                                  <p:stCondLst>
+                                    <p:cond delay="0"/>
+                                  </p:stCondLst>
+                                  <p:childTnLst>
+                                    <p:set>
+                                      <p:cBhvr>
+                                        <p:cTn id="10" dur="1" fill="hold">
+                                          <p:stCondLst>
+                                            <p:cond delay="0"/>
+                                          </p:stCondLst>
+                                        </p:cTn>
+                                        <p:tgtEl>
+                                          <p:spTgt spid="8"/>
+                                        </p:tgtEl>
+                                        <p:attrNameLst>
+                                          <p:attrName>style.visibility</p:attrName>
+                                        </p:attrNameLst>
+                                      </p:cBhvr>
+                                      <p:to>
+                                        <p:strVal val="visible"/>
+                                      </p:to>
+                                    </p:set>
+                                    <p:animEffect transition="in" filter="fade">
+                                      <p:cBhvr>
+                                        <p:cTn id="11" dur="2000"/>
+                                        <p:tgtEl>
+                                          <p:spTgt spid="8"/>
+                                        </p:tgtEl>
+                                      </p:cBhvr>
+                                    </p:animEffect>
+                                  </p:childTnLst>
+                                </p:cTn>
+                              </p:par>
                             </p:childTnLst>
                           </p:cTn>
                         </p:par>
@@ -4930,26 +4153,26 @@
                     </p:cTn>
                   </p:par>
                   <p:par>
-                    <p:cTn id="14" fill="hold">
+                    <p:cTn id="12" fill="hold">
                       <p:stCondLst>
                         <p:cond delay="indefinite"/>
                       </p:stCondLst>
                       <p:childTnLst>
                         <p:par>
-                          <p:cTn id="15" fill="hold">
+                          <p:cTn id="13" fill="hold">
                             <p:stCondLst>
                               <p:cond delay="0"/>
                             </p:stCondLst>
                             <p:childTnLst>
                               <p:par>
-                                <p:cTn id="16" presetID="1" presetClass="entr" presetSubtype="0" fill="hold" grpId="0" nodeType="clickEffect">
+                                <p:cTn id="14" presetID="1" presetClass="entr" presetSubtype="0" fill="hold" grpId="0" nodeType="clickEffect">
                                   <p:stCondLst>
                                     <p:cond delay="0"/>
                                   </p:stCondLst>
                                   <p:childTnLst>
                                     <p:set>
                                       <p:cBhvr>
-                                        <p:cTn id="17" dur="1" fill="hold">
+                                        <p:cTn id="15" dur="1" fill="hold">
                                           <p:stCondLst>
                                             <p:cond delay="0"/>
                                           </p:stCondLst>
@@ -4975,25 +4198,56 @@
                             </p:childTnLst>
                           </p:cTn>
                         </p:par>
-                      </p:childTnLst>
-                    </p:cTn>
-                  </p:par>
-                  <p:par>
-                    <p:cTn id="18" fill="hold">
-                      <p:stCondLst>
-                        <p:cond delay="indefinite"/>
-                      </p:stCondLst>
-                      <p:childTnLst>
                         <p:par>
-                          <p:cTn id="19" fill="hold">
+                          <p:cTn id="16" fill="hold">
                             <p:stCondLst>
                               <p:cond delay="0"/>
                             </p:stCondLst>
                             <p:childTnLst>
                               <p:par>
-                                <p:cTn id="20" presetID="1" presetClass="entr" presetSubtype="0" fill="hold" grpId="0" nodeType="clickEffect">
+                                <p:cTn id="17" presetID="1" presetClass="entr" presetSubtype="0" fill="hold" grpId="0" nodeType="afterEffect">
                                   <p:stCondLst>
-                                    <p:cond delay="0"/>
+                                    <p:cond delay="5000"/>
+                                  </p:stCondLst>
+                                  <p:childTnLst>
+                                    <p:set>
+                                      <p:cBhvr>
+                                        <p:cTn id="18" dur="1" fill="hold">
+                                          <p:stCondLst>
+                                            <p:cond delay="0"/>
+                                          </p:stCondLst>
+                                        </p:cTn>
+                                        <p:tgtEl>
+                                          <p:spTgt spid="3">
+                                            <p:txEl>
+                                              <p:pRg st="3" end="3"/>
+                                            </p:txEl>
+                                          </p:spTgt>
+                                        </p:tgtEl>
+                                        <p:attrNameLst>
+                                          <p:attrName>style.visibility</p:attrName>
+                                        </p:attrNameLst>
+                                      </p:cBhvr>
+                                      <p:to>
+                                        <p:strVal val="visible"/>
+                                      </p:to>
+                                    </p:set>
+                                  </p:childTnLst>
+                                </p:cTn>
+                              </p:par>
+                            </p:childTnLst>
+                          </p:cTn>
+                        </p:par>
+                        <p:par>
+                          <p:cTn id="19" fill="hold">
+                            <p:stCondLst>
+                              <p:cond delay="5000"/>
+                            </p:stCondLst>
+                            <p:childTnLst>
+                              <p:par>
+                                <p:cTn id="20" presetID="1" presetClass="entr" presetSubtype="0" fill="hold" grpId="0" nodeType="afterEffect">
+                                  <p:stCondLst>
+                                    <p:cond delay="5000"/>
                                   </p:stCondLst>
                                   <p:childTnLst>
                                     <p:set>
@@ -5006,7 +4260,7 @@
                                         <p:tgtEl>
                                           <p:spTgt spid="3">
                                             <p:txEl>
-                                              <p:pRg st="3" end="3"/>
+                                              <p:pRg st="4" end="4"/>
                                             </p:txEl>
                                           </p:spTgt>
                                         </p:tgtEl>
@@ -5055,7 +4309,7 @@
                                         <p:tgtEl>
                                           <p:spTgt spid="3">
                                             <p:txEl>
-                                              <p:pRg st="4" end="4"/>
+                                              <p:pRg st="5" end="5"/>
                                             </p:txEl>
                                           </p:spTgt>
                                         </p:tgtEl>
@@ -5104,7 +4358,7 @@
                                         <p:tgtEl>
                                           <p:spTgt spid="3">
                                             <p:txEl>
-                                              <p:pRg st="5" end="5"/>
+                                              <p:pRg st="6" end="6"/>
                                             </p:txEl>
                                           </p:spTgt>
                                         </p:tgtEl>
@@ -5192,10 +4446,9 @@
           <a:lstStyle/>
           <a:p>
             <a:r>
-              <a:rPr lang="en-US" dirty="0" smtClean="0"/>
+              <a:rPr lang="en-US" dirty="0"/>
               <a:t>How do you distribute PowerShell?</a:t>
             </a:r>
-            <a:endParaRPr lang="en-US" dirty="0"/>
           </a:p>
         </p:txBody>
       </p:sp>
@@ -5220,42 +4473,33 @@
           <a:lstStyle/>
           <a:p>
             <a:r>
-              <a:rPr lang="en-US" dirty="0" smtClean="0"/>
+              <a:rPr lang="en-US" dirty="0"/>
               <a:t>Email</a:t>
             </a:r>
           </a:p>
           <a:p>
             <a:r>
-              <a:rPr lang="en-US" dirty="0" smtClean="0"/>
+              <a:rPr lang="en-US" dirty="0"/>
               <a:t>USB Drives</a:t>
             </a:r>
           </a:p>
           <a:p>
             <a:r>
-              <a:rPr lang="en-US" dirty="0" smtClean="0"/>
+              <a:rPr lang="en-US" dirty="0"/>
               <a:t>File Share</a:t>
             </a:r>
           </a:p>
           <a:p>
             <a:r>
-              <a:rPr lang="en-US" dirty="0" smtClean="0"/>
-              <a:t>Source Control (</a:t>
-            </a:r>
-            <a:r>
-              <a:rPr lang="en-US" dirty="0" err="1" smtClean="0"/>
-              <a:t>git</a:t>
-            </a:r>
-            <a:r>
-              <a:rPr lang="en-US" dirty="0" smtClean="0"/>
-              <a:t>)</a:t>
-            </a:r>
-          </a:p>
-          <a:p>
-            <a:r>
-              <a:rPr lang="en-US" dirty="0" smtClean="0"/>
+              <a:rPr lang="en-US" dirty="0"/>
+              <a:t>Source Control</a:t>
+            </a:r>
+          </a:p>
+          <a:p>
+            <a:r>
+              <a:rPr lang="en-US" dirty="0"/>
               <a:t>PowerShell Gallery</a:t>
             </a:r>
-            <a:endParaRPr lang="en-US" dirty="0"/>
           </a:p>
         </p:txBody>
       </p:sp>
@@ -5275,7 +4519,7 @@
           <a:lstStyle/>
           <a:p>
             <a:r>
-              <a:rPr lang="en-US" smtClean="0"/>
+              <a:rPr lang="en-US"/>
               <a:t>@KevinMarquette #PSHSummit #KM404</a:t>
             </a:r>
             <a:endParaRPr lang="en-US" dirty="0"/>
@@ -5305,7 +4549,7 @@
           <a:lstStyle/>
           <a:p>
             <a:r>
-              <a:rPr lang="en-US" sz="8800" dirty="0" smtClean="0">
+              <a:rPr lang="en-US" sz="8800" dirty="0">
                 <a:solidFill>
                   <a:schemeClr val="bg1">
                     <a:lumMod val="75000"/>
@@ -5316,7 +4560,7 @@
               <a:t>Send-</a:t>
             </a:r>
             <a:r>
-              <a:rPr lang="en-US" sz="8800" dirty="0" err="1" smtClean="0">
+              <a:rPr lang="en-US" sz="8800" dirty="0" err="1">
                 <a:solidFill>
                   <a:schemeClr val="bg1">
                     <a:lumMod val="75000"/>
@@ -5360,7 +4604,7 @@
           <a:lstStyle/>
           <a:p>
             <a:r>
-              <a:rPr lang="en-US" sz="8800" dirty="0" smtClean="0">
+              <a:rPr lang="en-US" sz="8800" dirty="0">
                 <a:solidFill>
                   <a:schemeClr val="bg1">
                     <a:lumMod val="75000"/>
@@ -5370,14 +4614,6 @@
               </a:rPr>
               <a:t>Copy-Item</a:t>
             </a:r>
-            <a:endParaRPr lang="en-US" sz="8800" dirty="0">
-              <a:solidFill>
-                <a:schemeClr val="bg1">
-                  <a:lumMod val="75000"/>
-                </a:schemeClr>
-              </a:solidFill>
-              <a:latin typeface="Consolas" panose="020B0609020204030204" pitchFamily="49" charset="0"/>
-            </a:endParaRPr>
           </a:p>
         </p:txBody>
       </p:sp>
@@ -5404,7 +4640,7 @@
           <a:lstStyle/>
           <a:p>
             <a:r>
-              <a:rPr lang="en-US" sz="8800" dirty="0" err="1" smtClean="0">
+              <a:rPr lang="en-US" sz="8800" dirty="0" err="1">
                 <a:solidFill>
                   <a:schemeClr val="bg1">
                     <a:lumMod val="75000"/>
@@ -5415,7 +4651,7 @@
               <a:t>git</a:t>
             </a:r>
             <a:r>
-              <a:rPr lang="en-US" sz="8800" dirty="0" smtClean="0">
+              <a:rPr lang="en-US" sz="8800" dirty="0">
                 <a:solidFill>
                   <a:schemeClr val="bg1">
                     <a:lumMod val="75000"/>
@@ -5425,14 +4661,6 @@
               </a:rPr>
               <a:t> push</a:t>
             </a:r>
-            <a:endParaRPr lang="en-US" sz="8800" dirty="0">
-              <a:solidFill>
-                <a:schemeClr val="bg1">
-                  <a:lumMod val="75000"/>
-                </a:schemeClr>
-              </a:solidFill>
-              <a:latin typeface="Consolas" panose="020B0609020204030204" pitchFamily="49" charset="0"/>
-            </a:endParaRPr>
           </a:p>
         </p:txBody>
       </p:sp>
@@ -5459,7 +4687,7 @@
           <a:lstStyle/>
           <a:p>
             <a:r>
-              <a:rPr lang="en-US" sz="8800" dirty="0" smtClean="0">
+              <a:rPr lang="en-US" sz="8800" dirty="0">
                 <a:solidFill>
                   <a:schemeClr val="bg1">
                     <a:lumMod val="75000"/>
@@ -5469,14 +4697,6 @@
               </a:rPr>
               <a:t>Publish-Module</a:t>
             </a:r>
-            <a:endParaRPr lang="en-US" sz="8800" dirty="0">
-              <a:solidFill>
-                <a:schemeClr val="bg1">
-                  <a:lumMod val="75000"/>
-                </a:schemeClr>
-              </a:solidFill>
-              <a:latin typeface="Consolas" panose="020B0609020204030204" pitchFamily="49" charset="0"/>
-            </a:endParaRPr>
           </a:p>
         </p:txBody>
       </p:sp>
@@ -6037,18 +5257,17 @@
           <a:lstStyle/>
           <a:p>
             <a:r>
-              <a:rPr lang="en-US" dirty="0" smtClean="0"/>
+              <a:rPr lang="en-US" dirty="0"/>
               <a:t>What if you had your own </a:t>
             </a:r>
             <a:r>
-              <a:rPr lang="en-US" dirty="0" err="1" smtClean="0"/>
+              <a:rPr lang="en-US" dirty="0" err="1"/>
               <a:t>PSGallery</a:t>
             </a:r>
             <a:r>
-              <a:rPr lang="en-US" dirty="0" smtClean="0"/>
+              <a:rPr lang="en-US" dirty="0"/>
               <a:t>?</a:t>
             </a:r>
-            <a:endParaRPr lang="en-US" dirty="0"/>
           </a:p>
         </p:txBody>
       </p:sp>
@@ -6073,28 +5292,27 @@
           <a:lstStyle/>
           <a:p>
             <a:r>
-              <a:rPr lang="en-US" dirty="0" smtClean="0"/>
+              <a:rPr lang="en-US" dirty="0"/>
               <a:t>Find-Module</a:t>
             </a:r>
           </a:p>
           <a:p>
             <a:r>
-              <a:rPr lang="en-US" dirty="0" smtClean="0"/>
+              <a:rPr lang="en-US" dirty="0"/>
               <a:t>Install-Module</a:t>
             </a:r>
           </a:p>
           <a:p>
             <a:r>
-              <a:rPr lang="en-US" dirty="0" smtClean="0"/>
+              <a:rPr lang="en-US" dirty="0"/>
               <a:t>Locally installed</a:t>
             </a:r>
           </a:p>
           <a:p>
             <a:r>
-              <a:rPr lang="en-US" dirty="0" smtClean="0"/>
+              <a:rPr lang="en-US" dirty="0"/>
               <a:t>Auto loading</a:t>
             </a:r>
-            <a:endParaRPr lang="en-US" dirty="0"/>
           </a:p>
         </p:txBody>
       </p:sp>
@@ -6114,7 +5332,7 @@
           <a:lstStyle/>
           <a:p>
             <a:r>
-              <a:rPr lang="en-US" smtClean="0"/>
+              <a:rPr lang="en-US"/>
               <a:t>@KevinMarquette #PSHSummit #KM404</a:t>
             </a:r>
             <a:endParaRPr lang="en-US" dirty="0"/>
@@ -6144,7 +5362,7 @@
           <a:lstStyle/>
           <a:p>
             <a:r>
-              <a:rPr lang="en-US" sz="8800" dirty="0" smtClean="0">
+              <a:rPr lang="en-US" sz="8800" dirty="0">
                 <a:solidFill>
                   <a:schemeClr val="bg1">
                     <a:lumMod val="85000"/>
@@ -6154,14 +5372,6 @@
               </a:rPr>
               <a:t>Install-Module</a:t>
             </a:r>
-            <a:endParaRPr lang="en-US" sz="8800" dirty="0">
-              <a:solidFill>
-                <a:schemeClr val="bg1">
-                  <a:lumMod val="85000"/>
-                </a:schemeClr>
-              </a:solidFill>
-              <a:latin typeface="Consolas" panose="020B0609020204030204" pitchFamily="49" charset="0"/>
-            </a:endParaRPr>
           </a:p>
         </p:txBody>
       </p:sp>
@@ -6304,22 +5514,6 @@
           <a:bodyPr/>
           <a:lstStyle/>
           <a:p>
-            <a:r>
-              <a:rPr lang="en-US" dirty="0" smtClean="0"/>
-              <a:t>Demo: Create a file share repository</a:t>
-            </a:r>
-          </a:p>
-          <a:p>
-            <a:r>
-              <a:rPr lang="en-US" dirty="0" smtClean="0"/>
-              <a:t>Demo: Publish to our repository</a:t>
-            </a:r>
-          </a:p>
-          <a:p>
-            <a:r>
-              <a:rPr lang="en-US" dirty="0" smtClean="0"/>
-              <a:t>code .\Demo1.ps1</a:t>
-            </a:r>
             <a:endParaRPr lang="en-US" dirty="0"/>
           </a:p>
         </p:txBody>
@@ -6340,65 +5534,10 @@
           <a:lstStyle/>
           <a:p>
             <a:r>
-              <a:rPr lang="en-US" smtClean="0"/>
+              <a:rPr lang="en-US"/>
               <a:t>@KevinMarquette #PSHSummit #KM404</a:t>
             </a:r>
             <a:endParaRPr lang="en-US" dirty="0"/>
-          </a:p>
-        </p:txBody>
-      </p:sp>
-      <p:sp>
-        <p:nvSpPr>
-          <p:cNvPr id="4" name="TextBox 3"/>
-          <p:cNvSpPr txBox="1"/>
-          <p:nvPr/>
-        </p:nvSpPr>
-        <p:spPr>
-          <a:xfrm>
-            <a:off x="249382" y="4942800"/>
-            <a:ext cx="10820954" cy="1200329"/>
-          </a:xfrm>
-          <a:prstGeom prst="rect">
-            <a:avLst/>
-          </a:prstGeom>
-          <a:noFill/>
-        </p:spPr>
-        <p:txBody>
-          <a:bodyPr wrap="square" rtlCol="0">
-            <a:spAutoFit/>
-          </a:bodyPr>
-          <a:lstStyle/>
-          <a:p>
-            <a:r>
-              <a:rPr lang="en-US" sz="7200" dirty="0" smtClean="0">
-                <a:solidFill>
-                  <a:schemeClr val="bg1">
-                    <a:lumMod val="85000"/>
-                  </a:schemeClr>
-                </a:solidFill>
-                <a:latin typeface="Consolas" panose="020B0609020204030204" pitchFamily="49" charset="0"/>
-              </a:rPr>
-              <a:t>Register-</a:t>
-            </a:r>
-            <a:r>
-              <a:rPr lang="en-US" sz="7200" dirty="0" err="1" smtClean="0">
-                <a:solidFill>
-                  <a:schemeClr val="bg1">
-                    <a:lumMod val="85000"/>
-                  </a:schemeClr>
-                </a:solidFill>
-                <a:latin typeface="Consolas" panose="020B0609020204030204" pitchFamily="49" charset="0"/>
-              </a:rPr>
-              <a:t>PSRepository</a:t>
-            </a:r>
-            <a:endParaRPr lang="en-US" sz="7200" dirty="0">
-              <a:solidFill>
-                <a:schemeClr val="bg1">
-                  <a:lumMod val="85000"/>
-                </a:schemeClr>
-              </a:solidFill>
-              <a:latin typeface="Consolas" panose="020B0609020204030204" pitchFamily="49" charset="0"/>
-            </a:endParaRPr>
           </a:p>
         </p:txBody>
       </p:sp>
@@ -6412,95 +5551,6 @@
   <p:clrMapOvr>
     <a:masterClrMapping/>
   </p:clrMapOvr>
-  <p:timing>
-    <p:tnLst>
-      <p:par>
-        <p:cTn id="1" dur="indefinite" restart="never" nodeType="tmRoot">
-          <p:childTnLst>
-            <p:seq concurrent="1" nextAc="seek">
-              <p:cTn id="2" dur="indefinite" nodeType="mainSeq">
-                <p:childTnLst>
-                  <p:par>
-                    <p:cTn id="3" fill="hold">
-                      <p:stCondLst>
-                        <p:cond delay="indefinite"/>
-                        <p:cond evt="onBegin" delay="0">
-                          <p:tn val="2"/>
-                        </p:cond>
-                      </p:stCondLst>
-                      <p:childTnLst>
-                        <p:par>
-                          <p:cTn id="4" fill="hold">
-                            <p:stCondLst>
-                              <p:cond delay="0"/>
-                            </p:stCondLst>
-                            <p:childTnLst>
-                              <p:par>
-                                <p:cTn id="5" presetID="10" presetClass="entr" presetSubtype="0" fill="hold" grpId="0" nodeType="withEffect">
-                                  <p:stCondLst>
-                                    <p:cond delay="0"/>
-                                  </p:stCondLst>
-                                  <p:childTnLst>
-                                    <p:set>
-                                      <p:cBhvr>
-                                        <p:cTn id="6" dur="1" fill="hold">
-                                          <p:stCondLst>
-                                            <p:cond delay="0"/>
-                                          </p:stCondLst>
-                                        </p:cTn>
-                                        <p:tgtEl>
-                                          <p:spTgt spid="4"/>
-                                        </p:tgtEl>
-                                        <p:attrNameLst>
-                                          <p:attrName>style.visibility</p:attrName>
-                                        </p:attrNameLst>
-                                      </p:cBhvr>
-                                      <p:to>
-                                        <p:strVal val="visible"/>
-                                      </p:to>
-                                    </p:set>
-                                    <p:animEffect transition="in" filter="fade">
-                                      <p:cBhvr>
-                                        <p:cTn id="7" dur="2000"/>
-                                        <p:tgtEl>
-                                          <p:spTgt spid="4"/>
-                                        </p:tgtEl>
-                                      </p:cBhvr>
-                                    </p:animEffect>
-                                  </p:childTnLst>
-                                </p:cTn>
-                              </p:par>
-                            </p:childTnLst>
-                          </p:cTn>
-                        </p:par>
-                      </p:childTnLst>
-                    </p:cTn>
-                  </p:par>
-                </p:childTnLst>
-              </p:cTn>
-              <p:prevCondLst>
-                <p:cond evt="onPrev" delay="0">
-                  <p:tgtEl>
-                    <p:sldTgt/>
-                  </p:tgtEl>
-                </p:cond>
-              </p:prevCondLst>
-              <p:nextCondLst>
-                <p:cond evt="onNext" delay="0">
-                  <p:tgtEl>
-                    <p:sldTgt/>
-                  </p:tgtEl>
-                </p:cond>
-              </p:nextCondLst>
-            </p:seq>
-          </p:childTnLst>
-        </p:cTn>
-      </p:par>
-    </p:tnLst>
-    <p:bldLst>
-      <p:bldP spid="4" grpId="0"/>
-    </p:bldLst>
-  </p:timing>
 </p:sld>
 </file>
 
@@ -6531,1059 +5581,15 @@
             <p:ph type="title"/>
           </p:nvPr>
         </p:nvSpPr>
-        <p:spPr>
-          <a:xfrm>
-            <a:off x="3348842" y="365125"/>
-            <a:ext cx="8004958" cy="1325563"/>
-          </a:xfrm>
-        </p:spPr>
+        <p:spPr/>
         <p:txBody>
           <a:bodyPr/>
           <a:lstStyle/>
           <a:p>
             <a:r>
-              <a:rPr lang="en-US" dirty="0" smtClean="0"/>
-              <a:t>PowerShell Gallery</a:t>
-            </a:r>
-            <a:endParaRPr lang="en-US" dirty="0"/>
-          </a:p>
-        </p:txBody>
-      </p:sp>
-      <p:sp>
-        <p:nvSpPr>
-          <p:cNvPr id="3" name="Content Placeholder 2"/>
-          <p:cNvSpPr>
-            <a:spLocks noGrp="1"/>
-          </p:cNvSpPr>
-          <p:nvPr>
-            <p:ph idx="1"/>
-          </p:nvPr>
-        </p:nvSpPr>
-        <p:spPr>
-          <a:xfrm>
-            <a:off x="3895106" y="1825625"/>
-            <a:ext cx="7458694" cy="4351338"/>
-          </a:xfrm>
-        </p:spPr>
-        <p:txBody>
-          <a:bodyPr/>
-          <a:lstStyle/>
-          <a:p>
-            <a:r>
-              <a:rPr lang="en-US" dirty="0" smtClean="0"/>
-              <a:t>File Share</a:t>
-            </a:r>
-          </a:p>
-          <a:p>
-            <a:r>
-              <a:rPr lang="en-US" dirty="0" err="1" smtClean="0"/>
-              <a:t>Nuget</a:t>
-            </a:r>
-            <a:r>
-              <a:rPr lang="en-US" dirty="0" smtClean="0"/>
-              <a:t> feed</a:t>
-            </a:r>
-          </a:p>
-          <a:p>
-            <a:pPr lvl="1"/>
-            <a:r>
-              <a:rPr lang="en-US" dirty="0" smtClean="0"/>
-              <a:t>Azure</a:t>
-            </a:r>
-          </a:p>
-          <a:p>
-            <a:pPr lvl="1"/>
-            <a:r>
-              <a:rPr lang="en-US" dirty="0" err="1" smtClean="0"/>
-              <a:t>ProGet</a:t>
-            </a:r>
-            <a:endParaRPr lang="en-US" dirty="0" smtClean="0"/>
-          </a:p>
-          <a:p>
-            <a:pPr lvl="1"/>
-            <a:r>
-              <a:rPr lang="en-US" dirty="0" smtClean="0"/>
-              <a:t>Container</a:t>
-            </a:r>
-            <a:endParaRPr lang="en-US" dirty="0"/>
-          </a:p>
-        </p:txBody>
-      </p:sp>
-      <p:sp>
-        <p:nvSpPr>
-          <p:cNvPr id="4" name="Footer Placeholder 3"/>
-          <p:cNvSpPr>
-            <a:spLocks noGrp="1"/>
-          </p:cNvSpPr>
-          <p:nvPr>
-            <p:ph type="ftr" sz="quarter" idx="11"/>
-          </p:nvPr>
-        </p:nvSpPr>
-        <p:spPr/>
-        <p:txBody>
-          <a:bodyPr/>
-          <a:lstStyle/>
-          <a:p>
-            <a:r>
-              <a:rPr lang="en-US" smtClean="0"/>
-              <a:t>@KevinMarquette #PSHSummit #KM404</a:t>
-            </a:r>
-            <a:endParaRPr lang="en-US" dirty="0"/>
-          </a:p>
-        </p:txBody>
-      </p:sp>
-      <p:sp>
-        <p:nvSpPr>
-          <p:cNvPr id="5" name="TextBox 4"/>
-          <p:cNvSpPr txBox="1"/>
-          <p:nvPr/>
-        </p:nvSpPr>
-        <p:spPr>
-          <a:xfrm>
-            <a:off x="249382" y="4942800"/>
-            <a:ext cx="10820954" cy="1200329"/>
-          </a:xfrm>
-          <a:prstGeom prst="rect">
-            <a:avLst/>
-          </a:prstGeom>
-          <a:noFill/>
-        </p:spPr>
-        <p:txBody>
-          <a:bodyPr wrap="square" rtlCol="0">
-            <a:spAutoFit/>
-          </a:bodyPr>
-          <a:lstStyle/>
-          <a:p>
-            <a:r>
-              <a:rPr lang="en-US" sz="7200" dirty="0" smtClean="0">
-                <a:solidFill>
-                  <a:schemeClr val="bg1">
-                    <a:lumMod val="85000"/>
-                  </a:schemeClr>
-                </a:solidFill>
-                <a:latin typeface="Consolas" panose="020B0609020204030204" pitchFamily="49" charset="0"/>
-              </a:rPr>
-              <a:t>Get-</a:t>
-            </a:r>
-            <a:r>
-              <a:rPr lang="en-US" sz="7200" dirty="0" err="1" smtClean="0">
-                <a:solidFill>
-                  <a:schemeClr val="bg1">
-                    <a:lumMod val="85000"/>
-                  </a:schemeClr>
-                </a:solidFill>
-                <a:latin typeface="Consolas" panose="020B0609020204030204" pitchFamily="49" charset="0"/>
-              </a:rPr>
-              <a:t>PSRepository</a:t>
-            </a:r>
-            <a:endParaRPr lang="en-US" sz="7200" dirty="0">
-              <a:solidFill>
-                <a:schemeClr val="bg1">
-                  <a:lumMod val="85000"/>
-                </a:schemeClr>
-              </a:solidFill>
-              <a:latin typeface="Consolas" panose="020B0609020204030204" pitchFamily="49" charset="0"/>
-            </a:endParaRPr>
-          </a:p>
-        </p:txBody>
-      </p:sp>
-    </p:spTree>
-    <p:extLst>
-      <p:ext uri="{BB962C8B-B14F-4D97-AF65-F5344CB8AC3E}">
-        <p14:creationId xmlns:p14="http://schemas.microsoft.com/office/powerpoint/2010/main" val="2921680803"/>
-      </p:ext>
-    </p:extLst>
-  </p:cSld>
-  <p:clrMapOvr>
-    <a:masterClrMapping/>
-  </p:clrMapOvr>
-  <p:timing>
-    <p:tnLst>
-      <p:par>
-        <p:cTn id="1" dur="indefinite" restart="never" nodeType="tmRoot">
-          <p:childTnLst>
-            <p:seq concurrent="1" nextAc="seek">
-              <p:cTn id="2" dur="indefinite" nodeType="mainSeq">
-                <p:childTnLst>
-                  <p:par>
-                    <p:cTn id="3" fill="hold">
-                      <p:stCondLst>
-                        <p:cond delay="indefinite"/>
-                        <p:cond evt="onBegin" delay="0">
-                          <p:tn val="2"/>
-                        </p:cond>
-                      </p:stCondLst>
-                      <p:childTnLst>
-                        <p:par>
-                          <p:cTn id="4" fill="hold">
-                            <p:stCondLst>
-                              <p:cond delay="0"/>
-                            </p:stCondLst>
-                            <p:childTnLst>
-                              <p:par>
-                                <p:cTn id="5" presetID="10" presetClass="entr" presetSubtype="0" fill="hold" grpId="0" nodeType="withEffect">
-                                  <p:stCondLst>
-                                    <p:cond delay="0"/>
-                                  </p:stCondLst>
-                                  <p:childTnLst>
-                                    <p:set>
-                                      <p:cBhvr>
-                                        <p:cTn id="6" dur="1" fill="hold">
-                                          <p:stCondLst>
-                                            <p:cond delay="0"/>
-                                          </p:stCondLst>
-                                        </p:cTn>
-                                        <p:tgtEl>
-                                          <p:spTgt spid="5"/>
-                                        </p:tgtEl>
-                                        <p:attrNameLst>
-                                          <p:attrName>style.visibility</p:attrName>
-                                        </p:attrNameLst>
-                                      </p:cBhvr>
-                                      <p:to>
-                                        <p:strVal val="visible"/>
-                                      </p:to>
-                                    </p:set>
-                                    <p:animEffect transition="in" filter="fade">
-                                      <p:cBhvr>
-                                        <p:cTn id="7" dur="2000"/>
-                                        <p:tgtEl>
-                                          <p:spTgt spid="5"/>
-                                        </p:tgtEl>
-                                      </p:cBhvr>
-                                    </p:animEffect>
-                                  </p:childTnLst>
-                                </p:cTn>
-                              </p:par>
-                            </p:childTnLst>
-                          </p:cTn>
-                        </p:par>
-                      </p:childTnLst>
-                    </p:cTn>
-                  </p:par>
-                </p:childTnLst>
-              </p:cTn>
-              <p:prevCondLst>
-                <p:cond evt="onPrev" delay="0">
-                  <p:tgtEl>
-                    <p:sldTgt/>
-                  </p:tgtEl>
-                </p:cond>
-              </p:prevCondLst>
-              <p:nextCondLst>
-                <p:cond evt="onNext" delay="0">
-                  <p:tgtEl>
-                    <p:sldTgt/>
-                  </p:tgtEl>
-                </p:cond>
-              </p:nextCondLst>
-            </p:seq>
-          </p:childTnLst>
-        </p:cTn>
-      </p:par>
-    </p:tnLst>
-    <p:bldLst>
-      <p:bldP spid="5" grpId="0"/>
-    </p:bldLst>
-  </p:timing>
-</p:sld>
-</file>
-
-<file path=ppt/slides/slide7.xml><?xml version="1.0" encoding="utf-8"?>
-<p:sld xmlns:a="http://schemas.openxmlformats.org/drawingml/2006/main" xmlns:r="http://schemas.openxmlformats.org/officeDocument/2006/relationships" xmlns:p="http://schemas.openxmlformats.org/presentationml/2006/main">
-  <p:cSld>
-    <p:spTree>
-      <p:nvGrpSpPr>
-        <p:cNvPr id="1" name=""/>
-        <p:cNvGrpSpPr/>
-        <p:nvPr/>
-      </p:nvGrpSpPr>
-      <p:grpSpPr>
-        <a:xfrm>
-          <a:off x="0" y="0"/>
-          <a:ext cx="0" cy="0"/>
-          <a:chOff x="0" y="0"/>
-          <a:chExt cx="0" cy="0"/>
-        </a:xfrm>
-      </p:grpSpPr>
-      <p:sp>
-        <p:nvSpPr>
-          <p:cNvPr id="2" name="Content Placeholder 1"/>
-          <p:cNvSpPr>
-            <a:spLocks noGrp="1"/>
-          </p:cNvSpPr>
-          <p:nvPr>
-            <p:ph sz="quarter" idx="13"/>
-          </p:nvPr>
-        </p:nvSpPr>
-        <p:spPr>
-          <a:xfrm>
-            <a:off x="3895106" y="3141663"/>
-            <a:ext cx="6866558" cy="2039937"/>
-          </a:xfrm>
-        </p:spPr>
-        <p:txBody>
-          <a:bodyPr/>
-          <a:lstStyle/>
-          <a:p>
-            <a:r>
-              <a:rPr lang="en-US" dirty="0" smtClean="0"/>
-              <a:t>Demo: Creating Azure repository</a:t>
-            </a:r>
-          </a:p>
-          <a:p>
-            <a:r>
-              <a:rPr lang="en-US" dirty="0" smtClean="0"/>
-              <a:t>Demo: Publish to our repository</a:t>
-            </a:r>
-          </a:p>
-          <a:p>
-            <a:endParaRPr lang="en-US" dirty="0"/>
-          </a:p>
-        </p:txBody>
-      </p:sp>
-      <p:sp>
-        <p:nvSpPr>
-          <p:cNvPr id="3" name="Footer Placeholder 2"/>
-          <p:cNvSpPr>
-            <a:spLocks noGrp="1"/>
-          </p:cNvSpPr>
-          <p:nvPr>
-            <p:ph type="ftr" sz="quarter" idx="11"/>
-          </p:nvPr>
-        </p:nvSpPr>
-        <p:spPr/>
-        <p:txBody>
-          <a:bodyPr/>
-          <a:lstStyle/>
-          <a:p>
-            <a:r>
-              <a:rPr lang="en-US" smtClean="0"/>
-              <a:t>@KevinMarquette #PSHSummit #KM404</a:t>
-            </a:r>
-            <a:endParaRPr lang="en-US" dirty="0"/>
-          </a:p>
-        </p:txBody>
-      </p:sp>
-    </p:spTree>
-    <p:extLst>
-      <p:ext uri="{BB962C8B-B14F-4D97-AF65-F5344CB8AC3E}">
-        <p14:creationId xmlns:p14="http://schemas.microsoft.com/office/powerpoint/2010/main" val="1679479806"/>
-      </p:ext>
-    </p:extLst>
-  </p:cSld>
-  <p:clrMapOvr>
-    <a:masterClrMapping/>
-  </p:clrMapOvr>
-  <p:timing>
-    <p:tnLst>
-      <p:par>
-        <p:cTn id="1" dur="indefinite" restart="never" nodeType="tmRoot"/>
-      </p:par>
-    </p:tnLst>
-  </p:timing>
-</p:sld>
-</file>
-
-<file path=ppt/slides/slide8.xml><?xml version="1.0" encoding="utf-8"?>
-<p:sld xmlns:a="http://schemas.openxmlformats.org/drawingml/2006/main" xmlns:r="http://schemas.openxmlformats.org/officeDocument/2006/relationships" xmlns:p="http://schemas.openxmlformats.org/presentationml/2006/main">
-  <p:cSld>
-    <p:spTree>
-      <p:nvGrpSpPr>
-        <p:cNvPr id="1" name=""/>
-        <p:cNvGrpSpPr/>
-        <p:nvPr/>
-      </p:nvGrpSpPr>
-      <p:grpSpPr>
-        <a:xfrm>
-          <a:off x="0" y="0"/>
-          <a:ext cx="0" cy="0"/>
-          <a:chOff x="0" y="0"/>
-          <a:chExt cx="0" cy="0"/>
-        </a:xfrm>
-      </p:grpSpPr>
-      <p:sp>
-        <p:nvSpPr>
-          <p:cNvPr id="2" name="Title 1"/>
-          <p:cNvSpPr>
-            <a:spLocks noGrp="1"/>
-          </p:cNvSpPr>
-          <p:nvPr>
-            <p:ph type="title"/>
-          </p:nvPr>
-        </p:nvSpPr>
-        <p:spPr/>
-        <p:txBody>
-          <a:bodyPr/>
-          <a:lstStyle/>
-          <a:p>
-            <a:r>
-              <a:rPr lang="en-US" dirty="0" smtClean="0"/>
-              <a:t>Continuous Delivery</a:t>
-            </a:r>
-            <a:endParaRPr lang="en-US" dirty="0"/>
-          </a:p>
-        </p:txBody>
-      </p:sp>
-      <p:sp>
-        <p:nvSpPr>
-          <p:cNvPr id="4" name="Footer Placeholder 3"/>
-          <p:cNvSpPr>
-            <a:spLocks noGrp="1"/>
-          </p:cNvSpPr>
-          <p:nvPr>
-            <p:ph type="ftr" sz="quarter" idx="11"/>
-          </p:nvPr>
-        </p:nvSpPr>
-        <p:spPr/>
-        <p:txBody>
-          <a:bodyPr/>
-          <a:lstStyle/>
-          <a:p>
-            <a:r>
-              <a:rPr lang="en-US" smtClean="0"/>
-              <a:t>@KevinMarquette #PSHSummit #KM404</a:t>
-            </a:r>
-            <a:endParaRPr lang="en-US" dirty="0"/>
-          </a:p>
-        </p:txBody>
-      </p:sp>
-      <p:grpSp>
-        <p:nvGrpSpPr>
-          <p:cNvPr id="14" name="Group 13"/>
-          <p:cNvGrpSpPr/>
-          <p:nvPr/>
-        </p:nvGrpSpPr>
-        <p:grpSpPr>
-          <a:xfrm>
-            <a:off x="570014" y="3978233"/>
-            <a:ext cx="10438419" cy="771898"/>
-            <a:chOff x="570014" y="3978233"/>
-            <a:chExt cx="10438419" cy="771898"/>
-          </a:xfrm>
-        </p:grpSpPr>
-        <p:sp>
-          <p:nvSpPr>
-            <p:cNvPr id="8" name="Right Arrow 7"/>
-            <p:cNvSpPr/>
-            <p:nvPr/>
-          </p:nvSpPr>
-          <p:spPr>
-            <a:xfrm>
-              <a:off x="570014" y="4120740"/>
-              <a:ext cx="1564575" cy="534390"/>
-            </a:xfrm>
-            <a:prstGeom prst="rightArrow">
-              <a:avLst/>
-            </a:prstGeom>
-          </p:spPr>
-          <p:style>
-            <a:lnRef idx="2">
-              <a:schemeClr val="accent6"/>
-            </a:lnRef>
-            <a:fillRef idx="1">
-              <a:schemeClr val="lt1"/>
-            </a:fillRef>
-            <a:effectRef idx="0">
-              <a:schemeClr val="accent6"/>
-            </a:effectRef>
-            <a:fontRef idx="minor">
-              <a:schemeClr val="dk1"/>
-            </a:fontRef>
-          </p:style>
-          <p:txBody>
-            <a:bodyPr rtlCol="0" anchor="ctr"/>
-            <a:lstStyle/>
-            <a:p>
-              <a:pPr algn="ctr"/>
-              <a:r>
-                <a:rPr lang="en-US" dirty="0" smtClean="0"/>
-                <a:t>Check-in</a:t>
-              </a:r>
-              <a:endParaRPr lang="en-US" dirty="0"/>
-            </a:p>
-          </p:txBody>
-        </p:sp>
-        <p:sp>
-          <p:nvSpPr>
-            <p:cNvPr id="9" name="Right Arrow 8"/>
-            <p:cNvSpPr/>
-            <p:nvPr/>
-          </p:nvSpPr>
-          <p:spPr>
-            <a:xfrm>
-              <a:off x="3467595" y="4096986"/>
-              <a:ext cx="1564575" cy="534390"/>
-            </a:xfrm>
-            <a:prstGeom prst="rightArrow">
-              <a:avLst/>
-            </a:prstGeom>
-          </p:spPr>
-          <p:style>
-            <a:lnRef idx="2">
-              <a:schemeClr val="accent6"/>
-            </a:lnRef>
-            <a:fillRef idx="1">
-              <a:schemeClr val="lt1"/>
-            </a:fillRef>
-            <a:effectRef idx="0">
-              <a:schemeClr val="accent6"/>
-            </a:effectRef>
-            <a:fontRef idx="minor">
-              <a:schemeClr val="dk1"/>
-            </a:fontRef>
-          </p:style>
-          <p:txBody>
-            <a:bodyPr rtlCol="0" anchor="ctr"/>
-            <a:lstStyle/>
-            <a:p>
-              <a:pPr algn="ctr"/>
-              <a:r>
-                <a:rPr lang="en-US" dirty="0" smtClean="0"/>
-                <a:t>Trigger</a:t>
-              </a:r>
-              <a:endParaRPr lang="en-US" dirty="0"/>
-            </a:p>
-          </p:txBody>
-        </p:sp>
-        <p:sp>
-          <p:nvSpPr>
-            <p:cNvPr id="10" name="Right Arrow 9"/>
-            <p:cNvSpPr/>
-            <p:nvPr/>
-          </p:nvSpPr>
-          <p:spPr>
-            <a:xfrm>
-              <a:off x="6349342" y="4096986"/>
-              <a:ext cx="1564575" cy="534390"/>
-            </a:xfrm>
-            <a:prstGeom prst="rightArrow">
-              <a:avLst/>
-            </a:prstGeom>
-          </p:spPr>
-          <p:style>
-            <a:lnRef idx="2">
-              <a:schemeClr val="accent6"/>
-            </a:lnRef>
-            <a:fillRef idx="1">
-              <a:schemeClr val="lt1"/>
-            </a:fillRef>
-            <a:effectRef idx="0">
-              <a:schemeClr val="accent6"/>
-            </a:effectRef>
-            <a:fontRef idx="minor">
-              <a:schemeClr val="dk1"/>
-            </a:fontRef>
-          </p:style>
-          <p:txBody>
-            <a:bodyPr rtlCol="0" anchor="ctr"/>
-            <a:lstStyle/>
-            <a:p>
-              <a:pPr algn="ctr"/>
-              <a:r>
-                <a:rPr lang="en-US" dirty="0" smtClean="0"/>
-                <a:t>Publish</a:t>
-              </a:r>
-              <a:endParaRPr lang="en-US" dirty="0"/>
-            </a:p>
-          </p:txBody>
-        </p:sp>
-        <p:sp>
-          <p:nvSpPr>
-            <p:cNvPr id="11" name="Right Arrow 10"/>
-            <p:cNvSpPr/>
-            <p:nvPr/>
-          </p:nvSpPr>
-          <p:spPr>
-            <a:xfrm>
-              <a:off x="9443858" y="4096986"/>
-              <a:ext cx="1564575" cy="534390"/>
-            </a:xfrm>
-            <a:prstGeom prst="rightArrow">
-              <a:avLst/>
-            </a:prstGeom>
-          </p:spPr>
-          <p:style>
-            <a:lnRef idx="2">
-              <a:schemeClr val="accent6"/>
-            </a:lnRef>
-            <a:fillRef idx="1">
-              <a:schemeClr val="lt1"/>
-            </a:fillRef>
-            <a:effectRef idx="0">
-              <a:schemeClr val="accent6"/>
-            </a:effectRef>
-            <a:fontRef idx="minor">
-              <a:schemeClr val="dk1"/>
-            </a:fontRef>
-          </p:style>
-          <p:txBody>
-            <a:bodyPr rtlCol="0" anchor="ctr"/>
-            <a:lstStyle/>
-            <a:p>
-              <a:pPr algn="ctr"/>
-              <a:r>
-                <a:rPr lang="en-US" dirty="0" smtClean="0"/>
-                <a:t>Install</a:t>
-              </a:r>
-              <a:endParaRPr lang="en-US" dirty="0"/>
-            </a:p>
-          </p:txBody>
-        </p:sp>
-        <p:sp>
-          <p:nvSpPr>
-            <p:cNvPr id="5" name="Rectangle 4"/>
-            <p:cNvSpPr/>
-            <p:nvPr/>
-          </p:nvSpPr>
-          <p:spPr>
-            <a:xfrm>
-              <a:off x="2075214" y="3978234"/>
-              <a:ext cx="1711036" cy="771897"/>
-            </a:xfrm>
-            <a:prstGeom prst="rect">
-              <a:avLst/>
-            </a:prstGeom>
-          </p:spPr>
-          <p:style>
-            <a:lnRef idx="2">
-              <a:schemeClr val="accent1"/>
-            </a:lnRef>
-            <a:fillRef idx="1">
-              <a:schemeClr val="lt1"/>
-            </a:fillRef>
-            <a:effectRef idx="0">
-              <a:schemeClr val="accent1"/>
-            </a:effectRef>
-            <a:fontRef idx="minor">
-              <a:schemeClr val="dk1"/>
-            </a:fontRef>
-          </p:style>
-          <p:txBody>
-            <a:bodyPr rtlCol="0" anchor="ctr"/>
-            <a:lstStyle/>
-            <a:p>
-              <a:pPr algn="ctr"/>
-              <a:r>
-                <a:rPr lang="en-US" dirty="0" smtClean="0"/>
-                <a:t>Source Control</a:t>
-              </a:r>
-              <a:endParaRPr lang="en-US" dirty="0"/>
-            </a:p>
-          </p:txBody>
-        </p:sp>
-        <p:sp>
-          <p:nvSpPr>
-            <p:cNvPr id="6" name="Rectangle 5"/>
-            <p:cNvSpPr/>
-            <p:nvPr/>
-          </p:nvSpPr>
-          <p:spPr>
-            <a:xfrm>
-              <a:off x="4958939" y="3978234"/>
-              <a:ext cx="1711036" cy="771897"/>
-            </a:xfrm>
-            <a:prstGeom prst="rect">
-              <a:avLst/>
-            </a:prstGeom>
-          </p:spPr>
-          <p:style>
-            <a:lnRef idx="2">
-              <a:schemeClr val="accent1"/>
-            </a:lnRef>
-            <a:fillRef idx="1">
-              <a:schemeClr val="lt1"/>
-            </a:fillRef>
-            <a:effectRef idx="0">
-              <a:schemeClr val="accent1"/>
-            </a:effectRef>
-            <a:fontRef idx="minor">
-              <a:schemeClr val="dk1"/>
-            </a:fontRef>
-          </p:style>
-          <p:txBody>
-            <a:bodyPr rtlCol="0" anchor="ctr"/>
-            <a:lstStyle/>
-            <a:p>
-              <a:pPr algn="ctr"/>
-              <a:r>
-                <a:rPr lang="en-US" dirty="0" smtClean="0"/>
-                <a:t>Build Release Pipeline</a:t>
-              </a:r>
-              <a:endParaRPr lang="en-US" dirty="0"/>
-            </a:p>
-          </p:txBody>
-        </p:sp>
-        <p:sp>
-          <p:nvSpPr>
-            <p:cNvPr id="7" name="Rectangle 6"/>
-            <p:cNvSpPr/>
-            <p:nvPr/>
-          </p:nvSpPr>
-          <p:spPr>
-            <a:xfrm>
-              <a:off x="7842664" y="3978233"/>
-              <a:ext cx="1711036" cy="771897"/>
-            </a:xfrm>
-            <a:prstGeom prst="rect">
-              <a:avLst/>
-            </a:prstGeom>
-          </p:spPr>
-          <p:style>
-            <a:lnRef idx="2">
-              <a:schemeClr val="accent1"/>
-            </a:lnRef>
-            <a:fillRef idx="1">
-              <a:schemeClr val="lt1"/>
-            </a:fillRef>
-            <a:effectRef idx="0">
-              <a:schemeClr val="accent1"/>
-            </a:effectRef>
-            <a:fontRef idx="minor">
-              <a:schemeClr val="dk1"/>
-            </a:fontRef>
-          </p:style>
-          <p:txBody>
-            <a:bodyPr rtlCol="0" anchor="ctr"/>
-            <a:lstStyle/>
-            <a:p>
-              <a:pPr algn="ctr"/>
-              <a:r>
-                <a:rPr lang="en-US" dirty="0" err="1" smtClean="0"/>
-                <a:t>PSGallery</a:t>
-              </a:r>
-              <a:endParaRPr lang="en-US" dirty="0"/>
-            </a:p>
-          </p:txBody>
-        </p:sp>
-      </p:grpSp>
-      <p:sp>
-        <p:nvSpPr>
-          <p:cNvPr id="12" name="Line Callout 1 (Border and Accent Bar) 11"/>
-          <p:cNvSpPr/>
-          <p:nvPr/>
-        </p:nvSpPr>
-        <p:spPr>
-          <a:xfrm>
-            <a:off x="4376060" y="1904442"/>
-            <a:ext cx="2472046" cy="1425040"/>
-          </a:xfrm>
-          <a:prstGeom prst="accentBorderCallout1">
-            <a:avLst>
-              <a:gd name="adj1" fmla="val 18750"/>
-              <a:gd name="adj2" fmla="val -8333"/>
-              <a:gd name="adj3" fmla="val 143333"/>
-              <a:gd name="adj4" fmla="val -59470"/>
-            </a:avLst>
-          </a:prstGeom>
-        </p:spPr>
-        <p:style>
-          <a:lnRef idx="2">
-            <a:schemeClr val="accent1"/>
-          </a:lnRef>
-          <a:fillRef idx="1">
-            <a:schemeClr val="lt1"/>
-          </a:fillRef>
-          <a:effectRef idx="0">
-            <a:schemeClr val="accent1"/>
-          </a:effectRef>
-          <a:fontRef idx="minor">
-            <a:schemeClr val="dk1"/>
-          </a:fontRef>
-        </p:style>
-        <p:txBody>
-          <a:bodyPr rtlCol="0" anchor="ctr"/>
-          <a:lstStyle/>
-          <a:p>
-            <a:pPr algn="ctr"/>
-            <a:r>
-              <a:rPr lang="en-US" dirty="0" smtClean="0"/>
-              <a:t>Azure Repos</a:t>
-            </a:r>
-          </a:p>
-          <a:p>
-            <a:pPr algn="ctr"/>
-            <a:r>
-              <a:rPr lang="en-US" dirty="0" err="1" smtClean="0"/>
-              <a:t>Github</a:t>
-            </a:r>
-            <a:endParaRPr lang="en-US" dirty="0" smtClean="0"/>
-          </a:p>
-          <a:p>
-            <a:pPr algn="ctr"/>
-            <a:r>
-              <a:rPr lang="en-US" dirty="0" err="1" smtClean="0"/>
-              <a:t>BitBucket</a:t>
-            </a:r>
-            <a:endParaRPr lang="en-US" dirty="0" smtClean="0"/>
-          </a:p>
-          <a:p>
-            <a:pPr algn="ctr"/>
-            <a:r>
-              <a:rPr lang="en-US" dirty="0" smtClean="0"/>
-              <a:t>TFS/</a:t>
-            </a:r>
-            <a:r>
-              <a:rPr lang="en-US" dirty="0" err="1" smtClean="0"/>
-              <a:t>Devops</a:t>
-            </a:r>
-            <a:r>
-              <a:rPr lang="en-US" dirty="0" smtClean="0"/>
-              <a:t> Server</a:t>
-            </a:r>
-          </a:p>
-        </p:txBody>
-      </p:sp>
-      <p:sp>
-        <p:nvSpPr>
-          <p:cNvPr id="13" name="Line Callout 1 (Border and Accent Bar) 12"/>
-          <p:cNvSpPr/>
-          <p:nvPr/>
-        </p:nvSpPr>
-        <p:spPr>
-          <a:xfrm>
-            <a:off x="7754099" y="5113872"/>
-            <a:ext cx="2472046" cy="1425040"/>
-          </a:xfrm>
-          <a:prstGeom prst="accentBorderCallout1">
-            <a:avLst>
-              <a:gd name="adj1" fmla="val 57917"/>
-              <a:gd name="adj2" fmla="val -6411"/>
-              <a:gd name="adj3" fmla="val -26667"/>
-              <a:gd name="adj4" fmla="val -81087"/>
-            </a:avLst>
-          </a:prstGeom>
-        </p:spPr>
-        <p:style>
-          <a:lnRef idx="2">
-            <a:schemeClr val="accent1"/>
-          </a:lnRef>
-          <a:fillRef idx="1">
-            <a:schemeClr val="lt1"/>
-          </a:fillRef>
-          <a:effectRef idx="0">
-            <a:schemeClr val="accent1"/>
-          </a:effectRef>
-          <a:fontRef idx="minor">
-            <a:schemeClr val="dk1"/>
-          </a:fontRef>
-        </p:style>
-        <p:txBody>
-          <a:bodyPr rtlCol="0" anchor="ctr"/>
-          <a:lstStyle/>
-          <a:p>
-            <a:pPr algn="ctr"/>
-            <a:r>
-              <a:rPr lang="en-US" dirty="0" smtClean="0"/>
-              <a:t>Azure Pipeline</a:t>
-            </a:r>
-          </a:p>
-          <a:p>
-            <a:pPr algn="ctr"/>
-            <a:r>
-              <a:rPr lang="en-US" dirty="0" err="1" smtClean="0"/>
-              <a:t>Github</a:t>
-            </a:r>
-            <a:endParaRPr lang="en-US" dirty="0" smtClean="0"/>
-          </a:p>
-          <a:p>
-            <a:pPr algn="ctr"/>
-            <a:r>
-              <a:rPr lang="en-US" dirty="0" smtClean="0"/>
-              <a:t>Jenkins</a:t>
-            </a:r>
-          </a:p>
-          <a:p>
-            <a:pPr algn="ctr"/>
-            <a:r>
-              <a:rPr lang="en-US" dirty="0" smtClean="0"/>
-              <a:t>TFS/DevOps Server</a:t>
-            </a:r>
-          </a:p>
-        </p:txBody>
-      </p:sp>
-    </p:spTree>
-    <p:extLst>
-      <p:ext uri="{BB962C8B-B14F-4D97-AF65-F5344CB8AC3E}">
-        <p14:creationId xmlns:p14="http://schemas.microsoft.com/office/powerpoint/2010/main" val="4042741594"/>
-      </p:ext>
-    </p:extLst>
-  </p:cSld>
-  <p:clrMapOvr>
-    <a:masterClrMapping/>
-  </p:clrMapOvr>
-  <p:timing>
-    <p:tnLst>
-      <p:par>
-        <p:cTn id="1" dur="indefinite" restart="never" nodeType="tmRoot">
-          <p:childTnLst>
-            <p:seq concurrent="1" nextAc="seek">
-              <p:cTn id="2" dur="indefinite" nodeType="mainSeq">
-                <p:childTnLst>
-                  <p:par>
-                    <p:cTn id="3" fill="hold">
-                      <p:stCondLst>
-                        <p:cond delay="indefinite"/>
-                      </p:stCondLst>
-                      <p:childTnLst>
-                        <p:par>
-                          <p:cTn id="4" fill="hold">
-                            <p:stCondLst>
-                              <p:cond delay="0"/>
-                            </p:stCondLst>
-                            <p:childTnLst>
-                              <p:par>
-                                <p:cTn id="5" presetID="1" presetClass="entr" presetSubtype="0" fill="hold" grpId="0" nodeType="clickEffect">
-                                  <p:stCondLst>
-                                    <p:cond delay="0"/>
-                                  </p:stCondLst>
-                                  <p:childTnLst>
-                                    <p:set>
-                                      <p:cBhvr>
-                                        <p:cTn id="6" dur="1" fill="hold">
-                                          <p:stCondLst>
-                                            <p:cond delay="0"/>
-                                          </p:stCondLst>
-                                        </p:cTn>
-                                        <p:tgtEl>
-                                          <p:spTgt spid="12"/>
-                                        </p:tgtEl>
-                                        <p:attrNameLst>
-                                          <p:attrName>style.visibility</p:attrName>
-                                        </p:attrNameLst>
-                                      </p:cBhvr>
-                                      <p:to>
-                                        <p:strVal val="visible"/>
-                                      </p:to>
-                                    </p:set>
-                                  </p:childTnLst>
-                                </p:cTn>
-                              </p:par>
-                            </p:childTnLst>
-                          </p:cTn>
-                        </p:par>
-                      </p:childTnLst>
-                    </p:cTn>
-                  </p:par>
-                  <p:par>
-                    <p:cTn id="7" fill="hold">
-                      <p:stCondLst>
-                        <p:cond delay="indefinite"/>
-                      </p:stCondLst>
-                      <p:childTnLst>
-                        <p:par>
-                          <p:cTn id="8" fill="hold">
-                            <p:stCondLst>
-                              <p:cond delay="0"/>
-                            </p:stCondLst>
-                            <p:childTnLst>
-                              <p:par>
-                                <p:cTn id="9" presetID="1" presetClass="entr" presetSubtype="0" fill="hold" grpId="0" nodeType="clickEffect">
-                                  <p:stCondLst>
-                                    <p:cond delay="0"/>
-                                  </p:stCondLst>
-                                  <p:childTnLst>
-                                    <p:set>
-                                      <p:cBhvr>
-                                        <p:cTn id="10" dur="1" fill="hold">
-                                          <p:stCondLst>
-                                            <p:cond delay="0"/>
-                                          </p:stCondLst>
-                                        </p:cTn>
-                                        <p:tgtEl>
-                                          <p:spTgt spid="13"/>
-                                        </p:tgtEl>
-                                        <p:attrNameLst>
-                                          <p:attrName>style.visibility</p:attrName>
-                                        </p:attrNameLst>
-                                      </p:cBhvr>
-                                      <p:to>
-                                        <p:strVal val="visible"/>
-                                      </p:to>
-                                    </p:set>
-                                  </p:childTnLst>
-                                </p:cTn>
-                              </p:par>
-                            </p:childTnLst>
-                          </p:cTn>
-                        </p:par>
-                      </p:childTnLst>
-                    </p:cTn>
-                  </p:par>
-                </p:childTnLst>
-              </p:cTn>
-              <p:prevCondLst>
-                <p:cond evt="onPrev" delay="0">
-                  <p:tgtEl>
-                    <p:sldTgt/>
-                  </p:tgtEl>
-                </p:cond>
-              </p:prevCondLst>
-              <p:nextCondLst>
-                <p:cond evt="onNext" delay="0">
-                  <p:tgtEl>
-                    <p:sldTgt/>
-                  </p:tgtEl>
-                </p:cond>
-              </p:nextCondLst>
-            </p:seq>
-          </p:childTnLst>
-        </p:cTn>
-      </p:par>
-    </p:tnLst>
-    <p:bldLst>
-      <p:bldP spid="12" grpId="0" animBg="1"/>
-      <p:bldP spid="13" grpId="0" animBg="1"/>
-    </p:bldLst>
-  </p:timing>
-</p:sld>
-</file>
-
-<file path=ppt/slides/slide9.xml><?xml version="1.0" encoding="utf-8"?>
-<p:sld xmlns:a="http://schemas.openxmlformats.org/drawingml/2006/main" xmlns:r="http://schemas.openxmlformats.org/officeDocument/2006/relationships" xmlns:p="http://schemas.openxmlformats.org/presentationml/2006/main">
-  <p:cSld>
-    <p:spTree>
-      <p:nvGrpSpPr>
-        <p:cNvPr id="1" name=""/>
-        <p:cNvGrpSpPr/>
-        <p:nvPr/>
-      </p:nvGrpSpPr>
-      <p:grpSpPr>
-        <a:xfrm>
-          <a:off x="0" y="0"/>
-          <a:ext cx="0" cy="0"/>
-          <a:chOff x="0" y="0"/>
-          <a:chExt cx="0" cy="0"/>
-        </a:xfrm>
-      </p:grpSpPr>
-      <p:sp>
-        <p:nvSpPr>
-          <p:cNvPr id="2" name="Title 1"/>
-          <p:cNvSpPr>
-            <a:spLocks noGrp="1"/>
-          </p:cNvSpPr>
-          <p:nvPr>
-            <p:ph type="title"/>
-          </p:nvPr>
-        </p:nvSpPr>
-        <p:spPr/>
-        <p:txBody>
-          <a:bodyPr/>
-          <a:lstStyle/>
-          <a:p>
-            <a:r>
-              <a:rPr lang="en-US" dirty="0" smtClean="0"/>
-              <a:t>Related Sessions </a:t>
-            </a:r>
-            <a:r>
-              <a:rPr lang="en-US" dirty="0"/>
-              <a:t>T</a:t>
-            </a:r>
-            <a:r>
-              <a:rPr lang="en-US" dirty="0" smtClean="0"/>
-              <a:t>his Week</a:t>
-            </a:r>
-            <a:endParaRPr lang="en-US" dirty="0"/>
+              <a:rPr lang="en-US" dirty="0"/>
+              <a:t>Related Sessions This Week</a:t>
+            </a:r>
           </a:p>
         </p:txBody>
       </p:sp>
@@ -7696,7 +5702,7 @@
                         <a:defRPr/>
                       </a:pPr>
                       <a:r>
-                        <a:rPr lang="en-US" sz="2000" b="0" i="0" kern="1200" dirty="0" smtClean="0">
+                        <a:rPr lang="en-US" sz="2000" b="0" i="0" kern="1200" dirty="0">
                           <a:solidFill>
                             <a:schemeClr val="dk1"/>
                           </a:solidFill>
@@ -7707,7 +5713,7 @@
                         </a:rPr>
                         <a:t>Tuesday 11:00 AM</a:t>
                       </a:r>
-                      <a:endParaRPr lang="en-US" sz="2000" dirty="0" smtClean="0"/>
+                      <a:endParaRPr lang="en-US" sz="2000" dirty="0"/>
                     </a:p>
                     <a:p>
                       <a:endParaRPr lang="en-US" sz="2000" dirty="0"/>
@@ -7738,7 +5744,7 @@
                         <a:defRPr/>
                       </a:pPr>
                       <a:r>
-                        <a:rPr lang="en-US" sz="2000" b="0" i="0" kern="1200" dirty="0" err="1" smtClean="0">
+                        <a:rPr lang="en-US" sz="2000" b="0" i="0" kern="1200" dirty="0" err="1">
                           <a:solidFill>
                             <a:schemeClr val="dk1"/>
                           </a:solidFill>
@@ -7750,7 +5756,7 @@
                         <a:t>psake</a:t>
                       </a:r>
                       <a:r>
-                        <a:rPr lang="en-US" sz="2000" b="0" i="0" kern="1200" dirty="0" smtClean="0">
+                        <a:rPr lang="en-US" sz="2000" b="0" i="0" kern="1200" dirty="0">
                           <a:solidFill>
                             <a:schemeClr val="dk1"/>
                           </a:solidFill>
@@ -7761,7 +5767,7 @@
                         </a:rPr>
                         <a:t>: Creating a Build and Release Pipeline</a:t>
                       </a:r>
-                      <a:endParaRPr lang="en-US" sz="2000" dirty="0" smtClean="0"/>
+                      <a:endParaRPr lang="en-US" sz="2000" dirty="0"/>
                     </a:p>
                     <a:p>
                       <a:endParaRPr lang="en-US" sz="2000" dirty="0"/>
@@ -7792,7 +5798,7 @@
                         <a:defRPr/>
                       </a:pPr>
                       <a:r>
-                        <a:rPr lang="en-US" sz="2000" b="0" i="0" kern="1200" dirty="0" smtClean="0">
+                        <a:rPr lang="en-US" sz="2000" b="0" i="0" kern="1200" dirty="0">
                           <a:solidFill>
                             <a:schemeClr val="dk1"/>
                           </a:solidFill>
@@ -7803,7 +5809,7 @@
                         </a:rPr>
                         <a:t>Brandon Olin</a:t>
                       </a:r>
-                      <a:endParaRPr lang="en-US" sz="2000" dirty="0" smtClean="0"/>
+                      <a:endParaRPr lang="en-US" sz="2000" dirty="0"/>
                     </a:p>
                     <a:p>
                       <a:endParaRPr lang="en-US" sz="2000" dirty="0"/>
@@ -7841,7 +5847,7 @@
                         <a:defRPr/>
                       </a:pPr>
                       <a:r>
-                        <a:rPr lang="en-US" sz="2000" b="0" i="0" kern="1200" dirty="0" smtClean="0">
+                        <a:rPr lang="en-US" sz="2000" b="0" i="0" kern="1200" dirty="0">
                           <a:solidFill>
                             <a:schemeClr val="dk1"/>
                           </a:solidFill>
@@ -7853,7 +5859,7 @@
                         <a:t>Wednesday</a:t>
                       </a:r>
                       <a:r>
-                        <a:rPr lang="en-US" sz="2000" b="0" i="0" kern="1200" baseline="0" dirty="0" smtClean="0">
+                        <a:rPr lang="en-US" sz="2000" b="0" i="0" kern="1200" baseline="0" dirty="0">
                           <a:solidFill>
                             <a:schemeClr val="dk1"/>
                           </a:solidFill>
@@ -7865,7 +5871,7 @@
                         <a:t> </a:t>
                       </a:r>
                       <a:r>
-                        <a:rPr lang="en-US" sz="2000" b="0" i="0" kern="1200" dirty="0" smtClean="0">
+                        <a:rPr lang="en-US" sz="2000" b="0" i="0" kern="1200" dirty="0">
                           <a:solidFill>
                             <a:schemeClr val="dk1"/>
                           </a:solidFill>
@@ -7876,7 +5882,7 @@
                         </a:rPr>
                         <a:t>11:00 AM</a:t>
                       </a:r>
-                      <a:endParaRPr lang="en-US" sz="2000" dirty="0" smtClean="0"/>
+                      <a:endParaRPr lang="en-US" sz="2000" dirty="0"/>
                     </a:p>
                     <a:p>
                       <a:endParaRPr lang="en-US" sz="2000" dirty="0"/>
@@ -7907,7 +5913,7 @@
                         <a:defRPr/>
                       </a:pPr>
                       <a:r>
-                        <a:rPr lang="en-US" sz="2000" b="0" i="0" kern="1200" dirty="0" smtClean="0">
+                        <a:rPr lang="en-US" sz="2000" b="0" i="0" kern="1200" dirty="0">
                           <a:solidFill>
                             <a:schemeClr val="dk1"/>
                           </a:solidFill>
@@ -7919,7 +5925,7 @@
                         <a:t>Life after "</a:t>
                       </a:r>
                       <a:r>
-                        <a:rPr lang="en-US" sz="2000" b="0" i="0" kern="1200" dirty="0" err="1" smtClean="0">
+                        <a:rPr lang="en-US" sz="2000" b="0" i="0" kern="1200" dirty="0" err="1">
                           <a:solidFill>
                             <a:schemeClr val="dk1"/>
                           </a:solidFill>
@@ -7931,7 +5937,7 @@
                         <a:t>git</a:t>
                       </a:r>
                       <a:r>
-                        <a:rPr lang="en-US" sz="2000" b="0" i="0" kern="1200" dirty="0" smtClean="0">
+                        <a:rPr lang="en-US" sz="2000" b="0" i="0" kern="1200" dirty="0">
                           <a:solidFill>
                             <a:schemeClr val="dk1"/>
                           </a:solidFill>
@@ -7942,7 +5948,7 @@
                         </a:rPr>
                         <a:t> push"</a:t>
                       </a:r>
-                      <a:endParaRPr lang="en-US" sz="2000" dirty="0" smtClean="0"/>
+                      <a:endParaRPr lang="en-US" sz="2000" dirty="0"/>
                     </a:p>
                     <a:p>
                       <a:endParaRPr lang="en-US" sz="2000" dirty="0"/>
@@ -7973,7 +5979,7 @@
                         <a:defRPr/>
                       </a:pPr>
                       <a:r>
-                        <a:rPr lang="en-US" sz="2000" b="0" i="0" kern="1200" dirty="0" smtClean="0">
+                        <a:rPr lang="en-US" sz="2000" b="0" i="0" kern="1200" dirty="0">
                           <a:solidFill>
                             <a:schemeClr val="dk1"/>
                           </a:solidFill>
@@ -7985,7 +5991,7 @@
                         <a:t>Steven </a:t>
                       </a:r>
                       <a:r>
-                        <a:rPr lang="en-US" sz="2000" b="0" i="0" kern="1200" dirty="0" err="1" smtClean="0">
+                        <a:rPr lang="en-US" sz="2000" b="0" i="0" kern="1200" dirty="0" err="1">
                           <a:solidFill>
                             <a:schemeClr val="dk1"/>
                           </a:solidFill>
@@ -7996,7 +6002,7 @@
                         </a:rPr>
                         <a:t>Murawski</a:t>
                       </a:r>
-                      <a:endParaRPr lang="en-US" sz="2000" dirty="0" smtClean="0"/>
+                      <a:endParaRPr lang="en-US" sz="2000" dirty="0"/>
                     </a:p>
                     <a:p>
                       <a:endParaRPr lang="en-US" sz="2000" dirty="0"/>
@@ -8034,7 +6040,7 @@
                         <a:defRPr/>
                       </a:pPr>
                       <a:r>
-                        <a:rPr lang="en-US" sz="2000" b="0" i="0" kern="1200" dirty="0" smtClean="0">
+                        <a:rPr lang="en-US" sz="2000" b="0" i="0" kern="1200" dirty="0">
                           <a:solidFill>
                             <a:schemeClr val="dk1"/>
                           </a:solidFill>
@@ -8045,7 +6051,7 @@
                         </a:rPr>
                         <a:t>Wednesday 4:15 PM</a:t>
                       </a:r>
-                      <a:endParaRPr lang="en-US" sz="2000" dirty="0" smtClean="0"/>
+                      <a:endParaRPr lang="en-US" sz="2000" dirty="0"/>
                     </a:p>
                     <a:p>
                       <a:endParaRPr lang="en-US" sz="2000" dirty="0"/>
@@ -8076,7 +6082,7 @@
                         <a:defRPr/>
                       </a:pPr>
                       <a:r>
-                        <a:rPr lang="en-US" sz="2000" b="0" i="0" kern="1200" dirty="0" smtClean="0">
+                        <a:rPr lang="en-US" sz="2000" b="0" i="0" kern="1200" dirty="0">
                           <a:solidFill>
                             <a:schemeClr val="dk1"/>
                           </a:solidFill>
@@ -8087,7 +6093,7 @@
                         </a:rPr>
                         <a:t>Chocolatey For the Organizations</a:t>
                       </a:r>
-                      <a:endParaRPr lang="en-US" sz="2000" dirty="0" smtClean="0"/>
+                      <a:endParaRPr lang="en-US" sz="2000" dirty="0"/>
                     </a:p>
                     <a:p>
                       <a:endParaRPr lang="en-US" sz="2000" dirty="0"/>
@@ -8101,7 +6107,7 @@
                     <a:lstStyle/>
                     <a:p>
                       <a:r>
-                        <a:rPr lang="en-US" sz="2000" b="0" i="0" kern="1200" dirty="0" smtClean="0">
+                        <a:rPr lang="en-US" sz="2000" b="0" i="0" kern="1200" dirty="0">
                           <a:solidFill>
                             <a:schemeClr val="dk1"/>
                           </a:solidFill>
@@ -8143,7 +6149,7 @@
           <a:lstStyle/>
           <a:p>
             <a:r>
-              <a:rPr lang="en-US" smtClean="0"/>
+              <a:rPr lang="en-US"/>
               <a:t>@KevinMarquette #PSHSummit #KM404</a:t>
             </a:r>
             <a:endParaRPr lang="en-US" dirty="0"/>
@@ -8160,13 +6166,554 @@
   <p:clrMapOvr>
     <a:masterClrMapping/>
   </p:clrMapOvr>
-  <p:timing>
-    <p:tnLst>
-      <p:par>
-        <p:cTn id="1" dur="indefinite" restart="never" nodeType="tmRoot"/>
-      </p:par>
-    </p:tnLst>
-  </p:timing>
+</p:sld>
+</file>
+
+<file path=ppt/slides/slide7.xml><?xml version="1.0" encoding="utf-8"?>
+<p:sld xmlns:a="http://schemas.openxmlformats.org/drawingml/2006/main" xmlns:r="http://schemas.openxmlformats.org/officeDocument/2006/relationships" xmlns:p="http://schemas.openxmlformats.org/presentationml/2006/main">
+  <p:cSld>
+    <p:spTree>
+      <p:nvGrpSpPr>
+        <p:cNvPr id="1" name=""/>
+        <p:cNvGrpSpPr/>
+        <p:nvPr/>
+      </p:nvGrpSpPr>
+      <p:grpSpPr>
+        <a:xfrm>
+          <a:off x="0" y="0"/>
+          <a:ext cx="0" cy="0"/>
+          <a:chOff x="0" y="0"/>
+          <a:chExt cx="0" cy="0"/>
+        </a:xfrm>
+      </p:grpSpPr>
+      <p:sp>
+        <p:nvSpPr>
+          <p:cNvPr id="2" name="Title 1"/>
+          <p:cNvSpPr>
+            <a:spLocks noGrp="1"/>
+          </p:cNvSpPr>
+          <p:nvPr>
+            <p:ph type="title"/>
+          </p:nvPr>
+        </p:nvSpPr>
+        <p:spPr/>
+        <p:txBody>
+          <a:bodyPr/>
+          <a:lstStyle/>
+          <a:p>
+            <a:r>
+              <a:rPr lang="en-US" dirty="0"/>
+              <a:t>PowerShellExplained.com</a:t>
+            </a:r>
+          </a:p>
+        </p:txBody>
+      </p:sp>
+      <p:sp>
+        <p:nvSpPr>
+          <p:cNvPr id="4" name="Footer Placeholder 3"/>
+          <p:cNvSpPr>
+            <a:spLocks noGrp="1"/>
+          </p:cNvSpPr>
+          <p:nvPr>
+            <p:ph type="ftr" sz="quarter" idx="11"/>
+          </p:nvPr>
+        </p:nvSpPr>
+        <p:spPr/>
+        <p:txBody>
+          <a:bodyPr/>
+          <a:lstStyle/>
+          <a:p>
+            <a:r>
+              <a:rPr lang="en-US"/>
+              <a:t>@KevinMarquette #PSHSummit #KM404</a:t>
+            </a:r>
+            <a:endParaRPr lang="en-US" dirty="0"/>
+          </a:p>
+        </p:txBody>
+      </p:sp>
+      <p:sp>
+        <p:nvSpPr>
+          <p:cNvPr id="3" name="Content Placeholder 2"/>
+          <p:cNvSpPr>
+            <a:spLocks noGrp="1"/>
+          </p:cNvSpPr>
+          <p:nvPr>
+            <p:ph idx="1"/>
+          </p:nvPr>
+        </p:nvSpPr>
+        <p:spPr>
+          <a:xfrm>
+            <a:off x="3888953" y="1825625"/>
+            <a:ext cx="7701363" cy="4351338"/>
+          </a:xfrm>
+        </p:spPr>
+        <p:txBody>
+          <a:bodyPr/>
+          <a:lstStyle/>
+          <a:p>
+            <a:pPr marL="0" indent="0">
+              <a:buNone/>
+            </a:pPr>
+            <a:r>
+              <a:rPr lang="en-US" dirty="0"/>
+              <a:t>Related Articles:</a:t>
+            </a:r>
+            <a:endParaRPr lang="en-US" dirty="0">
+              <a:hlinkClick r:id="rId2"/>
+            </a:endParaRPr>
+          </a:p>
+          <a:p>
+            <a:r>
+              <a:rPr lang="en-US" dirty="0">
+                <a:hlinkClick r:id="rId2"/>
+              </a:rPr>
+              <a:t>Your first internal </a:t>
+            </a:r>
+            <a:r>
+              <a:rPr lang="en-US" dirty="0" err="1">
+                <a:hlinkClick r:id="rId2"/>
+              </a:rPr>
+              <a:t>PSRepository</a:t>
+            </a:r>
+            <a:endParaRPr lang="en-US" dirty="0">
+              <a:hlinkClick r:id="rId2"/>
+            </a:endParaRPr>
+          </a:p>
+          <a:p>
+            <a:r>
+              <a:rPr lang="en-US" dirty="0">
+                <a:hlinkClick r:id="rId3"/>
+              </a:rPr>
+              <a:t>Using a </a:t>
+            </a:r>
+            <a:r>
+              <a:rPr lang="en-US" dirty="0" err="1">
+                <a:hlinkClick r:id="rId3"/>
+              </a:rPr>
+              <a:t>NuGet</a:t>
+            </a:r>
+            <a:r>
+              <a:rPr lang="en-US" dirty="0">
+                <a:hlinkClick r:id="rId3"/>
+              </a:rPr>
+              <a:t> server for a </a:t>
+            </a:r>
+            <a:r>
+              <a:rPr lang="en-US" dirty="0" err="1">
+                <a:hlinkClick r:id="rId3"/>
+              </a:rPr>
+              <a:t>PSRepository</a:t>
+            </a:r>
+            <a:endParaRPr lang="en-US" dirty="0"/>
+          </a:p>
+          <a:p>
+            <a:r>
+              <a:rPr lang="en-US" dirty="0">
+                <a:hlinkClick r:id="rId4"/>
+              </a:rPr>
+              <a:t>Publishing community modules to a </a:t>
+            </a:r>
+            <a:r>
+              <a:rPr lang="en-US" dirty="0" err="1">
+                <a:hlinkClick r:id="rId4"/>
+              </a:rPr>
+              <a:t>PSRepository</a:t>
+            </a:r>
+            <a:endParaRPr lang="en-US" dirty="0"/>
+          </a:p>
+          <a:p>
+            <a:r>
+              <a:rPr lang="en-US" dirty="0">
+                <a:hlinkClick r:id="rId5"/>
+              </a:rPr>
+              <a:t>Let's build the CI/CD pipeline for a new module</a:t>
+            </a:r>
+            <a:endParaRPr lang="en-US" dirty="0"/>
+          </a:p>
+          <a:p>
+            <a:endParaRPr lang="en-US" dirty="0"/>
+          </a:p>
+          <a:p>
+            <a:endParaRPr lang="en-US" dirty="0"/>
+          </a:p>
+        </p:txBody>
+      </p:sp>
+      <p:pic>
+        <p:nvPicPr>
+          <p:cNvPr id="6" name="Picture 5"/>
+          <p:cNvPicPr>
+            <a:picLocks noChangeAspect="1"/>
+          </p:cNvPicPr>
+          <p:nvPr/>
+        </p:nvPicPr>
+        <p:blipFill>
+          <a:blip r:embed="rId6">
+            <a:extLst>
+              <a:ext uri="{28A0092B-C50C-407E-A947-70E740481C1C}">
+                <a14:useLocalDpi xmlns:a14="http://schemas.microsoft.com/office/drawing/2010/main" val="0"/>
+              </a:ext>
+            </a:extLst>
+          </a:blip>
+          <a:stretch>
+            <a:fillRect/>
+          </a:stretch>
+        </p:blipFill>
+        <p:spPr>
+          <a:xfrm>
+            <a:off x="10707582" y="95002"/>
+            <a:ext cx="1365663" cy="1365663"/>
+          </a:xfrm>
+          <a:prstGeom prst="ellipse">
+            <a:avLst/>
+          </a:prstGeom>
+          <a:ln w="63500" cap="rnd">
+            <a:solidFill>
+              <a:schemeClr val="bg1"/>
+            </a:solidFill>
+          </a:ln>
+          <a:effectLst/>
+          <a:scene3d>
+            <a:camera prst="orthographicFront"/>
+            <a:lightRig rig="contrasting" dir="t">
+              <a:rot lat="0" lon="0" rev="3000000"/>
+            </a:lightRig>
+          </a:scene3d>
+          <a:sp3d contourW="7620">
+            <a:bevelT w="95250" h="31750"/>
+            <a:contourClr>
+              <a:srgbClr val="333333"/>
+            </a:contourClr>
+          </a:sp3d>
+        </p:spPr>
+      </p:pic>
+    </p:spTree>
+    <p:extLst>
+      <p:ext uri="{BB962C8B-B14F-4D97-AF65-F5344CB8AC3E}">
+        <p14:creationId xmlns:p14="http://schemas.microsoft.com/office/powerpoint/2010/main" val="2891642841"/>
+      </p:ext>
+    </p:extLst>
+  </p:cSld>
+  <p:clrMapOvr>
+    <a:masterClrMapping/>
+  </p:clrMapOvr>
+</p:sld>
+</file>
+
+<file path=ppt/slides/slide8.xml><?xml version="1.0" encoding="utf-8"?>
+<p:sld xmlns:a="http://schemas.openxmlformats.org/drawingml/2006/main" xmlns:r="http://schemas.openxmlformats.org/officeDocument/2006/relationships" xmlns:p="http://schemas.openxmlformats.org/presentationml/2006/main">
+  <p:cSld>
+    <p:spTree>
+      <p:nvGrpSpPr>
+        <p:cNvPr id="1" name=""/>
+        <p:cNvGrpSpPr/>
+        <p:nvPr/>
+      </p:nvGrpSpPr>
+      <p:grpSpPr>
+        <a:xfrm>
+          <a:off x="0" y="0"/>
+          <a:ext cx="0" cy="0"/>
+          <a:chOff x="0" y="0"/>
+          <a:chExt cx="0" cy="0"/>
+        </a:xfrm>
+      </p:grpSpPr>
+      <p:sp>
+        <p:nvSpPr>
+          <p:cNvPr id="2" name="Footer Placeholder 1"/>
+          <p:cNvSpPr>
+            <a:spLocks noGrp="1"/>
+          </p:cNvSpPr>
+          <p:nvPr>
+            <p:ph type="ftr" sz="quarter" idx="11"/>
+          </p:nvPr>
+        </p:nvSpPr>
+        <p:spPr/>
+        <p:txBody>
+          <a:bodyPr/>
+          <a:lstStyle/>
+          <a:p>
+            <a:r>
+              <a:rPr lang="en-US"/>
+              <a:t>@KevinMarquette #PSHSummit #KM404</a:t>
+            </a:r>
+            <a:endParaRPr lang="en-US" dirty="0"/>
+          </a:p>
+        </p:txBody>
+      </p:sp>
+    </p:spTree>
+    <p:extLst>
+      <p:ext uri="{BB962C8B-B14F-4D97-AF65-F5344CB8AC3E}">
+        <p14:creationId xmlns:p14="http://schemas.microsoft.com/office/powerpoint/2010/main" val="102638022"/>
+      </p:ext>
+    </p:extLst>
+  </p:cSld>
+  <p:clrMapOvr>
+    <a:masterClrMapping/>
+  </p:clrMapOvr>
+</p:sld>
+</file>
+
+<file path=ppt/slides/slide9.xml><?xml version="1.0" encoding="utf-8"?>
+<p:sld xmlns:a="http://schemas.openxmlformats.org/drawingml/2006/main" xmlns:r="http://schemas.openxmlformats.org/officeDocument/2006/relationships" xmlns:p="http://schemas.openxmlformats.org/presentationml/2006/main">
+  <p:cSld>
+    <p:spTree>
+      <p:nvGrpSpPr>
+        <p:cNvPr id="1" name=""/>
+        <p:cNvGrpSpPr/>
+        <p:nvPr/>
+      </p:nvGrpSpPr>
+      <p:grpSpPr>
+        <a:xfrm>
+          <a:off x="0" y="0"/>
+          <a:ext cx="0" cy="0"/>
+          <a:chOff x="0" y="0"/>
+          <a:chExt cx="0" cy="0"/>
+        </a:xfrm>
+      </p:grpSpPr>
+      <p:sp>
+        <p:nvSpPr>
+          <p:cNvPr id="2" name="Title 1"/>
+          <p:cNvSpPr>
+            <a:spLocks noGrp="1"/>
+          </p:cNvSpPr>
+          <p:nvPr>
+            <p:ph type="title"/>
+          </p:nvPr>
+        </p:nvSpPr>
+        <p:spPr>
+          <a:xfrm>
+            <a:off x="3230088" y="365125"/>
+            <a:ext cx="8123712" cy="1325563"/>
+          </a:xfrm>
+        </p:spPr>
+        <p:txBody>
+          <a:bodyPr/>
+          <a:lstStyle/>
+          <a:p>
+            <a:r>
+              <a:rPr lang="en-US" dirty="0"/>
+              <a:t>About Kevin Marquette</a:t>
+            </a:r>
+          </a:p>
+        </p:txBody>
+      </p:sp>
+      <p:sp>
+        <p:nvSpPr>
+          <p:cNvPr id="3" name="Content Placeholder 2"/>
+          <p:cNvSpPr>
+            <a:spLocks noGrp="1"/>
+          </p:cNvSpPr>
+          <p:nvPr>
+            <p:ph idx="1"/>
+          </p:nvPr>
+        </p:nvSpPr>
+        <p:spPr>
+          <a:xfrm>
+            <a:off x="3906982" y="1825625"/>
+            <a:ext cx="7446818" cy="4351338"/>
+          </a:xfrm>
+        </p:spPr>
+        <p:txBody>
+          <a:bodyPr>
+            <a:normAutofit/>
+          </a:bodyPr>
+          <a:lstStyle/>
+          <a:p>
+            <a:r>
+              <a:rPr lang="en-US" dirty="0"/>
+              <a:t>Principal DevOps Engineer at </a:t>
+            </a:r>
+            <a:r>
+              <a:rPr lang="en-US" dirty="0" err="1"/>
+              <a:t>loanDepot</a:t>
+            </a:r>
+            <a:endParaRPr lang="en-US" dirty="0"/>
+          </a:p>
+          <a:p>
+            <a:r>
+              <a:rPr lang="en-US" dirty="0"/>
+              <a:t>Microsoft MVP</a:t>
+            </a:r>
+          </a:p>
+          <a:p>
+            <a:r>
+              <a:rPr lang="en-US" dirty="0"/>
+              <a:t>2018 PowerShell Community Hero</a:t>
+            </a:r>
+          </a:p>
+          <a:p>
+            <a:r>
+              <a:rPr lang="en-US" dirty="0"/>
+              <a:t>SoCal PowerShell User Group Organizer</a:t>
+            </a:r>
+          </a:p>
+          <a:p>
+            <a:r>
+              <a:rPr lang="en-US" dirty="0"/>
+              <a:t>PowerShellExplained.com</a:t>
+            </a:r>
+          </a:p>
+          <a:p>
+            <a:r>
+              <a:rPr lang="en-US" dirty="0"/>
+              <a:t>Module Author: </a:t>
+            </a:r>
+            <a:r>
+              <a:rPr lang="en-US" sz="2000" dirty="0" err="1"/>
+              <a:t>PSGraph</a:t>
+            </a:r>
+            <a:r>
+              <a:rPr lang="en-US" sz="2000" dirty="0"/>
+              <a:t>, </a:t>
+            </a:r>
+            <a:r>
+              <a:rPr lang="en-US" sz="2000" dirty="0" err="1"/>
+              <a:t>VsoLoggingCommands</a:t>
+            </a:r>
+            <a:r>
+              <a:rPr lang="en-US" sz="2000" dirty="0"/>
+              <a:t>, TFVC, Chronometer, Jira, </a:t>
+            </a:r>
+            <a:r>
+              <a:rPr lang="en-US" sz="2000" dirty="0" err="1"/>
+              <a:t>DependsOn</a:t>
+            </a:r>
+            <a:r>
+              <a:rPr lang="en-US" sz="2000" dirty="0"/>
+              <a:t>, Watch-Command, Select-</a:t>
+            </a:r>
+            <a:r>
+              <a:rPr lang="en-US" sz="2000" dirty="0" err="1"/>
+              <a:t>Ast</a:t>
+            </a:r>
+            <a:endParaRPr lang="en-US" dirty="0"/>
+          </a:p>
+          <a:p>
+            <a:r>
+              <a:rPr lang="en-US" dirty="0">
+                <a:hlinkClick r:id="rId2"/>
+              </a:rPr>
+              <a:t>KevMar@gmail.com</a:t>
+            </a:r>
+            <a:endParaRPr lang="en-US" dirty="0"/>
+          </a:p>
+          <a:p>
+            <a:r>
+              <a:rPr lang="en-US" dirty="0"/>
+              <a:t>@</a:t>
+            </a:r>
+            <a:r>
+              <a:rPr lang="en-US" dirty="0" err="1"/>
+              <a:t>KevinMarquette</a:t>
+            </a:r>
+            <a:endParaRPr lang="en-US" dirty="0"/>
+          </a:p>
+        </p:txBody>
+      </p:sp>
+      <p:pic>
+        <p:nvPicPr>
+          <p:cNvPr id="4" name="Picture 3"/>
+          <p:cNvPicPr>
+            <a:picLocks noChangeAspect="1"/>
+          </p:cNvPicPr>
+          <p:nvPr/>
+        </p:nvPicPr>
+        <p:blipFill>
+          <a:blip r:embed="rId3">
+            <a:extLst>
+              <a:ext uri="{28A0092B-C50C-407E-A947-70E740481C1C}">
+                <a14:useLocalDpi xmlns:a14="http://schemas.microsoft.com/office/drawing/2010/main" val="0"/>
+              </a:ext>
+            </a:extLst>
+          </a:blip>
+          <a:stretch>
+            <a:fillRect/>
+          </a:stretch>
+        </p:blipFill>
+        <p:spPr>
+          <a:xfrm>
+            <a:off x="10707582" y="95002"/>
+            <a:ext cx="1365663" cy="1365663"/>
+          </a:xfrm>
+          <a:prstGeom prst="ellipse">
+            <a:avLst/>
+          </a:prstGeom>
+          <a:ln w="63500" cap="rnd">
+            <a:solidFill>
+              <a:schemeClr val="bg1"/>
+            </a:solidFill>
+          </a:ln>
+          <a:effectLst/>
+          <a:scene3d>
+            <a:camera prst="orthographicFront"/>
+            <a:lightRig rig="contrasting" dir="t">
+              <a:rot lat="0" lon="0" rev="3000000"/>
+            </a:lightRig>
+          </a:scene3d>
+          <a:sp3d contourW="7620">
+            <a:bevelT w="95250" h="31750"/>
+            <a:contourClr>
+              <a:srgbClr val="333333"/>
+            </a:contourClr>
+          </a:sp3d>
+        </p:spPr>
+      </p:pic>
+      <p:sp>
+        <p:nvSpPr>
+          <p:cNvPr id="5" name="Footer Placeholder 4"/>
+          <p:cNvSpPr>
+            <a:spLocks noGrp="1"/>
+          </p:cNvSpPr>
+          <p:nvPr>
+            <p:ph type="ftr" sz="quarter" idx="11"/>
+          </p:nvPr>
+        </p:nvSpPr>
+        <p:spPr/>
+        <p:txBody>
+          <a:bodyPr/>
+          <a:lstStyle/>
+          <a:p>
+            <a:r>
+              <a:rPr lang="en-US"/>
+              <a:t>@KevinMarquette #PSHSummit #KM404</a:t>
+            </a:r>
+            <a:endParaRPr lang="en-US" dirty="0"/>
+          </a:p>
+        </p:txBody>
+      </p:sp>
+      <p:pic>
+        <p:nvPicPr>
+          <p:cNvPr id="6" name="Picture 5"/>
+          <p:cNvPicPr>
+            <a:picLocks noChangeAspect="1"/>
+          </p:cNvPicPr>
+          <p:nvPr/>
+        </p:nvPicPr>
+        <p:blipFill>
+          <a:blip r:embed="rId4"/>
+          <a:stretch>
+            <a:fillRect/>
+          </a:stretch>
+        </p:blipFill>
+        <p:spPr>
+          <a:xfrm>
+            <a:off x="8459560" y="1873125"/>
+            <a:ext cx="1882150" cy="385824"/>
+          </a:xfrm>
+          <a:prstGeom prst="rect">
+            <a:avLst/>
+          </a:prstGeom>
+        </p:spPr>
+      </p:pic>
+    </p:spTree>
+    <p:extLst>
+      <p:ext uri="{BB962C8B-B14F-4D97-AF65-F5344CB8AC3E}">
+        <p14:creationId xmlns:p14="http://schemas.microsoft.com/office/powerpoint/2010/main" val="1395672429"/>
+      </p:ext>
+    </p:extLst>
+  </p:cSld>
+  <p:clrMapOvr>
+    <a:masterClrMapping/>
+  </p:clrMapOvr>
 </p:sld>
 </file>
 

--- a/ManagingModulesPresentation.pptx
+++ b/ManagingModulesPresentation.pptx
@@ -15,7 +15,7 @@
     <p:sldId id="266" r:id="rId6"/>
     <p:sldId id="272" r:id="rId7"/>
     <p:sldId id="274" r:id="rId8"/>
-    <p:sldId id="265" r:id="rId9"/>
+    <p:sldId id="295" r:id="rId9"/>
     <p:sldId id="264" r:id="rId10"/>
   </p:sldIdLst>
   <p:sldSz cx="12192000" cy="6858000"/>
@@ -127,7 +127,7 @@
             <p14:sldId id="266"/>
             <p14:sldId id="272"/>
             <p14:sldId id="274"/>
-            <p14:sldId id="265"/>
+            <p14:sldId id="295"/>
             <p14:sldId id="264"/>
           </p14:sldIdLst>
         </p14:section>
@@ -222,7 +222,7 @@
           <a:p>
             <a:fld id="{B68C8EF0-277E-4A1A-B62C-6E490FE608D5}" type="datetimeFigureOut">
               <a:rPr lang="en-US" smtClean="0"/>
-              <a:t>4/27/2019</a:t>
+              <a:t>4/29/2019</a:t>
             </a:fld>
             <a:endParaRPr lang="en-US"/>
           </a:p>
@@ -703,7 +703,7 @@
           <a:p>
             <a:fld id="{578FD856-A495-47B8-817B-8CBF03FDE7FA}" type="datetime1">
               <a:rPr lang="en-US" smtClean="0"/>
-              <a:t>4/27/2019</a:t>
+              <a:t>4/29/2019</a:t>
             </a:fld>
             <a:endParaRPr lang="en-US" dirty="0"/>
           </a:p>
@@ -1093,7 +1093,7 @@
         <p:spPr>
           <a:xfrm>
             <a:off x="644770" y="1373960"/>
-            <a:ext cx="8768861" cy="461665"/>
+            <a:ext cx="10427783" cy="830997"/>
           </a:xfrm>
           <a:prstGeom prst="rect">
             <a:avLst/>
@@ -1108,16 +1108,35 @@
           <a:p>
             <a:r>
               <a:rPr lang="en-US" sz="2400" b="0" dirty="0"/>
-              <a:t>Please use the event app or </a:t>
+              <a:t>Please use the event app to submit a session rating!		bit.ly/summit2019app</a:t>
+            </a:r>
+          </a:p>
+          <a:p>
+            <a:r>
+              <a:rPr lang="en-US" sz="2400" b="0" dirty="0"/>
+              <a:t>Send me your feedback on this session @</a:t>
             </a:r>
             <a:r>
               <a:rPr lang="en-US" sz="2400" b="0" dirty="0" err="1"/>
-              <a:t>Sched.com</a:t>
+              <a:t>KevinMarquette</a:t>
             </a:r>
             <a:r>
               <a:rPr lang="en-US" sz="2400" b="0" dirty="0"/>
-              <a:t> to submit a session rating!</a:t>
-            </a:r>
+              <a:t> #</a:t>
+            </a:r>
+            <a:r>
+              <a:rPr lang="en-US" sz="2400" b="0" dirty="0" err="1"/>
+              <a:t>PSHSummit</a:t>
+            </a:r>
+            <a:r>
+              <a:rPr lang="en-US" sz="2400" b="0" dirty="0"/>
+              <a:t> #</a:t>
+            </a:r>
+            <a:r>
+              <a:rPr lang="en-US" sz="2400" b="0" dirty="0" err="1"/>
+              <a:t>PSGraph</a:t>
+            </a:r>
+            <a:endParaRPr lang="en-US" sz="2400" b="0" dirty="0"/>
           </a:p>
         </p:txBody>
       </p:sp>
@@ -1354,7 +1373,7 @@
           <a:p>
             <a:fld id="{59FD2237-3B84-4AC3-A613-A17944D67163}" type="datetime1">
               <a:rPr lang="en-US" smtClean="0"/>
-              <a:t>4/27/2019</a:t>
+              <a:t>4/29/2019</a:t>
             </a:fld>
             <a:endParaRPr lang="en-US" dirty="0"/>
           </a:p>
@@ -1599,7 +1618,7 @@
           <a:p>
             <a:fld id="{4D37F4DE-4CD9-47A3-BAF0-2F3F37405E48}" type="datetime1">
               <a:rPr lang="en-US" smtClean="0"/>
-              <a:t>4/27/2019</a:t>
+              <a:t>4/29/2019</a:t>
             </a:fld>
             <a:endParaRPr lang="en-US" dirty="0"/>
           </a:p>
@@ -1873,7 +1892,7 @@
           <a:p>
             <a:fld id="{B25FD3DA-12F3-4700-8C2B-A5B82CCD9FDF}" type="datetime1">
               <a:rPr lang="en-US" smtClean="0"/>
-              <a:t>4/27/2019</a:t>
+              <a:t>4/29/2019</a:t>
             </a:fld>
             <a:endParaRPr lang="en-US" dirty="0"/>
           </a:p>
@@ -2252,7 +2271,7 @@
           <a:p>
             <a:fld id="{360CF3C9-2460-49F4-AB70-CE6F6904F4A2}" type="datetime1">
               <a:rPr lang="en-US" smtClean="0"/>
-              <a:t>4/27/2019</a:t>
+              <a:t>4/29/2019</a:t>
             </a:fld>
             <a:endParaRPr lang="en-US" dirty="0"/>
           </a:p>
@@ -2384,7 +2403,7 @@
           <a:p>
             <a:fld id="{FE514856-59E5-4A76-8B7F-91DF0A5F9175}" type="datetime1">
               <a:rPr lang="en-US" smtClean="0"/>
-              <a:t>4/27/2019</a:t>
+              <a:t>4/29/2019</a:t>
             </a:fld>
             <a:endParaRPr lang="en-US" dirty="0"/>
           </a:p>
@@ -2494,7 +2513,7 @@
           <a:p>
             <a:fld id="{75077983-9B06-4C15-9A3D-B83C2053871F}" type="datetime1">
               <a:rPr lang="en-US" smtClean="0"/>
-              <a:t>4/27/2019</a:t>
+              <a:t>4/29/2019</a:t>
             </a:fld>
             <a:endParaRPr lang="en-US" dirty="0"/>
           </a:p>
@@ -2784,7 +2803,7 @@
           <a:p>
             <a:fld id="{C13D6E94-07BA-4493-8472-4171109EB88D}" type="datetime1">
               <a:rPr lang="en-US" smtClean="0"/>
-              <a:t>4/27/2019</a:t>
+              <a:t>4/29/2019</a:t>
             </a:fld>
             <a:endParaRPr lang="en-US" dirty="0"/>
           </a:p>
@@ -3051,7 +3070,7 @@
           <a:p>
             <a:fld id="{DEBAA425-7962-477B-B9B1-DD65387D6F76}" type="datetime1">
               <a:rPr lang="en-US" smtClean="0"/>
-              <a:t>4/27/2019</a:t>
+              <a:t>4/29/2019</a:t>
             </a:fld>
             <a:endParaRPr lang="en-US" dirty="0"/>
           </a:p>
@@ -3277,7 +3296,7 @@
           <a:p>
             <a:fld id="{C0551E37-54FE-4ED1-AA63-3577663042E0}" type="datetime1">
               <a:rPr lang="en-US" smtClean="0"/>
-              <a:t>4/27/2019</a:t>
+              <a:t>4/29/2019</a:t>
             </a:fld>
             <a:endParaRPr lang="en-US" dirty="0"/>
           </a:p>
@@ -5511,8 +5530,48 @@
           </a:xfrm>
         </p:spPr>
         <p:txBody>
-          <a:bodyPr/>
-          <a:lstStyle/>
+          <a:bodyPr>
+            <a:normAutofit fontScale="92500" lnSpcReduction="20000"/>
+          </a:bodyPr>
+          <a:lstStyle/>
+          <a:p>
+            <a:r>
+              <a:rPr lang="en-US" i="1" dirty="0"/>
+              <a:t>Basic Repository Creation and Publishing</a:t>
+            </a:r>
+            <a:endParaRPr lang="en-US" dirty="0"/>
+          </a:p>
+          <a:p>
+            <a:r>
+              <a:rPr lang="en-US" i="1" dirty="0"/>
+              <a:t>Using a NuGet Feed</a:t>
+            </a:r>
+            <a:endParaRPr lang="en-US" dirty="0"/>
+          </a:p>
+          <a:p>
+            <a:r>
+              <a:rPr lang="en-US" i="1" dirty="0"/>
+              <a:t>Publish Module Scripts</a:t>
+            </a:r>
+            <a:endParaRPr lang="en-US" dirty="0"/>
+          </a:p>
+          <a:p>
+            <a:r>
+              <a:rPr lang="en-US" i="1" dirty="0"/>
+              <a:t>Hosting public modules internally</a:t>
+            </a:r>
+            <a:endParaRPr lang="en-US" dirty="0"/>
+          </a:p>
+          <a:p>
+            <a:r>
+              <a:rPr lang="en-US" i="1" dirty="0"/>
+              <a:t>System Bootstrapping</a:t>
+            </a:r>
+            <a:endParaRPr lang="en-US" dirty="0"/>
+          </a:p>
+          <a:p>
+            <a:endParaRPr lang="en-US" dirty="0"/>
+          </a:p>
           <a:p>
             <a:endParaRPr lang="en-US" dirty="0"/>
           </a:p>
@@ -6418,7 +6477,156 @@
       </p:grpSpPr>
       <p:sp>
         <p:nvSpPr>
-          <p:cNvPr id="2" name="Footer Placeholder 1"/>
+          <p:cNvPr id="2" name="Rectangle 1"/>
+          <p:cNvSpPr/>
+          <p:nvPr/>
+        </p:nvSpPr>
+        <p:spPr>
+          <a:xfrm>
+            <a:off x="2339112" y="2263297"/>
+            <a:ext cx="6096000" cy="1200329"/>
+          </a:xfrm>
+          <a:prstGeom prst="rect">
+            <a:avLst/>
+          </a:prstGeom>
+        </p:spPr>
+        <p:txBody>
+          <a:bodyPr>
+            <a:spAutoFit/>
+          </a:bodyPr>
+          <a:lstStyle/>
+          <a:p>
+            <a:r>
+              <a:rPr lang="en-US" dirty="0"/>
+              <a:t>Kevin Marquette</a:t>
+            </a:r>
+          </a:p>
+          <a:p>
+            <a:r>
+              <a:rPr lang="en-US" dirty="0"/>
+              <a:t>PowerShellExplained.com</a:t>
+            </a:r>
+          </a:p>
+          <a:p>
+            <a:r>
+              <a:rPr lang="en-US" dirty="0">
+                <a:hlinkClick r:id="rId2"/>
+              </a:rPr>
+              <a:t>KevMar@gmail.com</a:t>
+            </a:r>
+            <a:endParaRPr lang="en-US" dirty="0"/>
+          </a:p>
+          <a:p>
+            <a:r>
+              <a:rPr lang="en-US" dirty="0"/>
+              <a:t>@</a:t>
+            </a:r>
+            <a:r>
+              <a:rPr lang="en-US" dirty="0" err="1"/>
+              <a:t>KevinMarquette</a:t>
+            </a:r>
+            <a:endParaRPr lang="en-US" dirty="0"/>
+          </a:p>
+        </p:txBody>
+      </p:sp>
+      <p:pic>
+        <p:nvPicPr>
+          <p:cNvPr id="3" name="Picture 2"/>
+          <p:cNvPicPr>
+            <a:picLocks noChangeAspect="1"/>
+          </p:cNvPicPr>
+          <p:nvPr/>
+        </p:nvPicPr>
+        <p:blipFill>
+          <a:blip r:embed="rId3">
+            <a:extLst>
+              <a:ext uri="{28A0092B-C50C-407E-A947-70E740481C1C}">
+                <a14:useLocalDpi xmlns:a14="http://schemas.microsoft.com/office/drawing/2010/main" val="0"/>
+              </a:ext>
+            </a:extLst>
+          </a:blip>
+          <a:stretch>
+            <a:fillRect/>
+          </a:stretch>
+        </p:blipFill>
+        <p:spPr>
+          <a:xfrm>
+            <a:off x="796964" y="2263297"/>
+            <a:ext cx="1365663" cy="1365663"/>
+          </a:xfrm>
+          <a:prstGeom prst="ellipse">
+            <a:avLst/>
+          </a:prstGeom>
+          <a:ln w="63500" cap="rnd">
+            <a:solidFill>
+              <a:schemeClr val="bg1"/>
+            </a:solidFill>
+          </a:ln>
+          <a:effectLst/>
+          <a:scene3d>
+            <a:camera prst="orthographicFront"/>
+            <a:lightRig rig="contrasting" dir="t">
+              <a:rot lat="0" lon="0" rev="3000000"/>
+            </a:lightRig>
+          </a:scene3d>
+          <a:sp3d contourW="7620">
+            <a:bevelT w="95250" h="31750"/>
+            <a:contourClr>
+              <a:srgbClr val="333333"/>
+            </a:contourClr>
+          </a:sp3d>
+        </p:spPr>
+      </p:pic>
+      <p:pic>
+        <p:nvPicPr>
+          <p:cNvPr id="1026" name="Picture 2" descr="https://powershellexplained.com/img/MVP_Logo_Horizontal_Preferred_Cyan300_CMYK_72ppi.png"/>
+          <p:cNvPicPr>
+            <a:picLocks noChangeAspect="1" noChangeArrowheads="1"/>
+          </p:cNvPicPr>
+          <p:nvPr/>
+        </p:nvPicPr>
+        <p:blipFill>
+          <a:blip r:embed="rId4">
+            <a:extLst>
+              <a:ext uri="{28A0092B-C50C-407E-A947-70E740481C1C}">
+                <a14:useLocalDpi xmlns:a14="http://schemas.microsoft.com/office/drawing/2010/main" val="0"/>
+              </a:ext>
+            </a:extLst>
+          </a:blip>
+          <a:srcRect/>
+          <a:stretch>
+            <a:fillRect/>
+          </a:stretch>
+        </p:blipFill>
+        <p:spPr bwMode="auto">
+          <a:xfrm>
+            <a:off x="2750993" y="5585546"/>
+            <a:ext cx="1839480" cy="752054"/>
+          </a:xfrm>
+          <a:prstGeom prst="rect">
+            <a:avLst/>
+          </a:prstGeom>
+          <a:noFill/>
+          <a:extLst>
+            <a:ext uri="{909E8E84-426E-40DD-AFC4-6F175D3DCCD1}">
+              <a14:hiddenFill xmlns:a14="http://schemas.microsoft.com/office/drawing/2010/main">
+                <a:solidFill>
+                  <a:srgbClr val="FFFFFF"/>
+                </a:solidFill>
+              </a14:hiddenFill>
+            </a:ext>
+          </a:extLst>
+        </p:spPr>
+      </p:pic>
+      <p:sp>
+        <p:nvSpPr>
+          <p:cNvPr id="5" name="Footer Placeholder 3">
+            <a:extLst>
+              <a:ext uri="{FF2B5EF4-FFF2-40B4-BE49-F238E27FC236}">
+                <a16:creationId xmlns:a16="http://schemas.microsoft.com/office/drawing/2014/main" id="{96B6D80E-CA6B-42CA-A79A-431823F81F84}"/>
+              </a:ext>
+            </a:extLst>
+          </p:cNvPr>
           <p:cNvSpPr>
             <a:spLocks noGrp="1"/>
           </p:cNvSpPr>
@@ -6426,23 +6634,35 @@
             <p:ph type="ftr" sz="quarter" idx="11"/>
           </p:nvPr>
         </p:nvSpPr>
-        <p:spPr/>
+        <p:spPr>
+          <a:xfrm>
+            <a:off x="4038600" y="6356350"/>
+            <a:ext cx="4114800" cy="365125"/>
+          </a:xfrm>
+        </p:spPr>
         <p:txBody>
           <a:bodyPr/>
           <a:lstStyle/>
           <a:p>
             <a:r>
-              <a:rPr lang="en-US"/>
-              <a:t>@KevinMarquette #PSHSummit #KM404</a:t>
-            </a:r>
-            <a:endParaRPr lang="en-US" dirty="0"/>
+              <a:rPr lang="en-US" dirty="0"/>
+              <a:t>#</a:t>
+            </a:r>
+            <a:r>
+              <a:rPr lang="en-US" dirty="0" err="1"/>
+              <a:t>PSHSummit</a:t>
+            </a:r>
+            <a:r>
+              <a:rPr lang="en-US" dirty="0"/>
+              <a:t> #KM401</a:t>
+            </a:r>
           </a:p>
         </p:txBody>
       </p:sp>
     </p:spTree>
     <p:extLst>
       <p:ext uri="{BB962C8B-B14F-4D97-AF65-F5344CB8AC3E}">
-        <p14:creationId xmlns:p14="http://schemas.microsoft.com/office/powerpoint/2010/main" val="102638022"/>
+        <p14:creationId xmlns:p14="http://schemas.microsoft.com/office/powerpoint/2010/main" val="2329025"/>
       </p:ext>
     </p:extLst>
   </p:cSld>

--- a/ManagingModulesPresentation.pptx
+++ b/ManagingModulesPresentation.pptx
@@ -222,7 +222,7 @@
           <a:p>
             <a:fld id="{B68C8EF0-277E-4A1A-B62C-6E490FE608D5}" type="datetimeFigureOut">
               <a:rPr lang="en-US" smtClean="0"/>
-              <a:t>4/29/2019</a:t>
+              <a:t>4/30/2019</a:t>
             </a:fld>
             <a:endParaRPr lang="en-US"/>
           </a:p>
@@ -703,7 +703,7 @@
           <a:p>
             <a:fld id="{578FD856-A495-47B8-817B-8CBF03FDE7FA}" type="datetime1">
               <a:rPr lang="en-US" smtClean="0"/>
-              <a:t>4/29/2019</a:t>
+              <a:t>4/30/2019</a:t>
             </a:fld>
             <a:endParaRPr lang="en-US" dirty="0"/>
           </a:p>
@@ -1373,7 +1373,7 @@
           <a:p>
             <a:fld id="{59FD2237-3B84-4AC3-A613-A17944D67163}" type="datetime1">
               <a:rPr lang="en-US" smtClean="0"/>
-              <a:t>4/29/2019</a:t>
+              <a:t>4/30/2019</a:t>
             </a:fld>
             <a:endParaRPr lang="en-US" dirty="0"/>
           </a:p>
@@ -1618,7 +1618,7 @@
           <a:p>
             <a:fld id="{4D37F4DE-4CD9-47A3-BAF0-2F3F37405E48}" type="datetime1">
               <a:rPr lang="en-US" smtClean="0"/>
-              <a:t>4/29/2019</a:t>
+              <a:t>4/30/2019</a:t>
             </a:fld>
             <a:endParaRPr lang="en-US" dirty="0"/>
           </a:p>
@@ -1892,7 +1892,7 @@
           <a:p>
             <a:fld id="{B25FD3DA-12F3-4700-8C2B-A5B82CCD9FDF}" type="datetime1">
               <a:rPr lang="en-US" smtClean="0"/>
-              <a:t>4/29/2019</a:t>
+              <a:t>4/30/2019</a:t>
             </a:fld>
             <a:endParaRPr lang="en-US" dirty="0"/>
           </a:p>
@@ -2271,7 +2271,7 @@
           <a:p>
             <a:fld id="{360CF3C9-2460-49F4-AB70-CE6F6904F4A2}" type="datetime1">
               <a:rPr lang="en-US" smtClean="0"/>
-              <a:t>4/29/2019</a:t>
+              <a:t>4/30/2019</a:t>
             </a:fld>
             <a:endParaRPr lang="en-US" dirty="0"/>
           </a:p>
@@ -2403,7 +2403,7 @@
           <a:p>
             <a:fld id="{FE514856-59E5-4A76-8B7F-91DF0A5F9175}" type="datetime1">
               <a:rPr lang="en-US" smtClean="0"/>
-              <a:t>4/29/2019</a:t>
+              <a:t>4/30/2019</a:t>
             </a:fld>
             <a:endParaRPr lang="en-US" dirty="0"/>
           </a:p>
@@ -2513,7 +2513,7 @@
           <a:p>
             <a:fld id="{75077983-9B06-4C15-9A3D-B83C2053871F}" type="datetime1">
               <a:rPr lang="en-US" smtClean="0"/>
-              <a:t>4/29/2019</a:t>
+              <a:t>4/30/2019</a:t>
             </a:fld>
             <a:endParaRPr lang="en-US" dirty="0"/>
           </a:p>
@@ -2803,7 +2803,7 @@
           <a:p>
             <a:fld id="{C13D6E94-07BA-4493-8472-4171109EB88D}" type="datetime1">
               <a:rPr lang="en-US" smtClean="0"/>
-              <a:t>4/29/2019</a:t>
+              <a:t>4/30/2019</a:t>
             </a:fld>
             <a:endParaRPr lang="en-US" dirty="0"/>
           </a:p>
@@ -3070,7 +3070,7 @@
           <a:p>
             <a:fld id="{DEBAA425-7962-477B-B9B1-DD65387D6F76}" type="datetime1">
               <a:rPr lang="en-US" smtClean="0"/>
-              <a:t>4/29/2019</a:t>
+              <a:t>4/30/2019</a:t>
             </a:fld>
             <a:endParaRPr lang="en-US" dirty="0"/>
           </a:p>
@@ -3296,7 +3296,7 @@
           <a:p>
             <a:fld id="{C0551E37-54FE-4ED1-AA63-3577663042E0}" type="datetime1">
               <a:rPr lang="en-US" smtClean="0"/>
-              <a:t>4/29/2019</a:t>
+              <a:t>4/30/2019</a:t>
             </a:fld>
             <a:endParaRPr lang="en-US" dirty="0"/>
           </a:p>
@@ -3971,14 +3971,18 @@
             </a:r>
             <a:r>
               <a:rPr lang="en-US" dirty="0" err="1"/>
-              <a:t>PowerShellGalley</a:t>
+              <a:t>PowerShellGallery</a:t>
             </a:r>
             <a:endParaRPr lang="en-US" dirty="0"/>
           </a:p>
           <a:p>
             <a:r>
-              <a:rPr lang="en-US" dirty="0"/>
-              <a:t>Also AZ and </a:t>
+              <a:rPr lang="en-US"/>
+              <a:t>AZ </a:t>
+            </a:r>
+            <a:r>
+              <a:rPr lang="en-US" dirty="0"/>
+              <a:t>and </a:t>
             </a:r>
             <a:r>
               <a:rPr lang="en-US" dirty="0" err="1"/>
